--- a/GitGitHub slides.pptx
+++ b/GitGitHub slides.pptx
@@ -4574,56 +4574,56 @@
           <a:lstStyle/>
           <a:p>
             <a:r>
-              <a:rPr lang="en-US" dirty="0"/>
-              <a:t>We will start discussing the main Git concepts, starting with commits and branches</a:t>
-            </a:r>
-          </a:p>
-          <a:p>
-            <a:r>
-              <a:rPr lang="en-US" dirty="0"/>
-              <a:t>- how git works as a version control system</a:t>
-            </a:r>
-          </a:p>
-          <a:p>
-            <a:r>
-              <a:rPr lang="en-US" dirty="0"/>
-              <a:t>- what the basic development workflow looks like</a:t>
-            </a:r>
-          </a:p>
-          <a:p>
-            <a:endParaRPr lang="en-US" dirty="0"/>
-          </a:p>
-          <a:p>
-            <a:r>
-              <a:rPr lang="en-US" dirty="0"/>
-              <a:t>To understand Git, we can represent a project as a blob – this is the current state of all the files in the project folder. We’ll label the first blob as 1. (In reality, the ID is a long hexadecimal hash.)</a:t>
-            </a:r>
-          </a:p>
-          <a:p>
-            <a:r>
-              <a:rPr lang="en-US" dirty="0"/>
+              <a:rPr lang="en-US" sz="1800" dirty="0"/>
+              <a:t>We will start discussing the main Git concepts, starting with commits and branches. This will show</a:t>
+            </a:r>
+          </a:p>
+          <a:p>
+            <a:r>
+              <a:rPr lang="en-US" sz="1800" dirty="0"/>
+              <a:t>- how git works as a version control system, and</a:t>
+            </a:r>
+          </a:p>
+          <a:p>
+            <a:r>
+              <a:rPr lang="en-US" sz="1800" dirty="0"/>
+              <a:t>- what the development workflow looks like</a:t>
+            </a:r>
+          </a:p>
+          <a:p>
+            <a:endParaRPr lang="en-US" sz="1800" dirty="0"/>
+          </a:p>
+          <a:p>
+            <a:r>
+              <a:rPr lang="en-US" sz="1800" dirty="0"/>
+              <a:t>To understand Git, we can represent a project as a blob – this is the current state of all the files in the project folder. We’ll label the first blob as 1. (In reality, the ID is a long hexadecimal string called a hash.)</a:t>
+            </a:r>
+          </a:p>
+          <a:p>
+            <a:r>
+              <a:rPr lang="en-US" sz="1800" dirty="0"/>
               <a:t>A blob is called a </a:t>
             </a:r>
             <a:r>
-              <a:rPr lang="en-US" b="1" dirty="0"/>
+              <a:rPr lang="en-US" sz="1800" b="1" dirty="0"/>
               <a:t>commit</a:t>
             </a:r>
             <a:r>
-              <a:rPr lang="en-US" dirty="0"/>
+              <a:rPr lang="en-US" sz="1800" dirty="0"/>
               <a:t>.</a:t>
             </a:r>
           </a:p>
           <a:p>
             <a:r>
-              <a:rPr lang="en-US" dirty="0"/>
+              <a:rPr lang="en-US" sz="1800" dirty="0"/>
               <a:t>We can make some changes to the files and make a second commit. Now the project looks like version 2, but version 1 is saved in git and you could look at the files how they were in version 1, or </a:t>
             </a:r>
             <a:r>
-              <a:rPr lang="en-US" dirty="0" err="1"/>
+              <a:rPr lang="en-US" sz="1800" dirty="0" err="1"/>
               <a:t>swtich</a:t>
             </a:r>
             <a:r>
-              <a:rPr lang="en-US" dirty="0"/>
+              <a:rPr lang="en-US" sz="1800" dirty="0"/>
               <a:t> back to it completely.</a:t>
             </a:r>
           </a:p>
@@ -4646,11 +4646,11 @@
               <a:defRPr/>
             </a:pPr>
             <a:r>
-              <a:rPr lang="en-US" dirty="0"/>
+              <a:rPr lang="en-US" sz="1800" dirty="0"/>
               <a:t>A project can go off on tangents, say to add new features. Each tangent is called a branch. </a:t>
             </a:r>
             <a:r>
-              <a:rPr lang="en-GB" sz="1800" dirty="0">
+              <a:rPr lang="en-GB" sz="2800" dirty="0">
                 <a:effectLst/>
                 <a:latin typeface="Calibri" panose="020F0502020204030204" pitchFamily="34" charset="0"/>
                 <a:ea typeface="Calibri" panose="020F0502020204030204" pitchFamily="34" charset="0"/>
@@ -4658,7 +4658,7 @@
               <a:t>By default, Git labels your initial branch "</a:t>
             </a:r>
             <a:r>
-              <a:rPr lang="en-GB" sz="1800" b="1" dirty="0">
+              <a:rPr lang="en-GB" sz="2800" b="1" dirty="0">
                 <a:effectLst/>
                 <a:latin typeface="Calibri" panose="020F0502020204030204" pitchFamily="34" charset="0"/>
                 <a:ea typeface="Calibri" panose="020F0502020204030204" pitchFamily="34" charset="0"/>
@@ -4666,7 +4666,7 @@
               <a:t>main</a:t>
             </a:r>
             <a:r>
-              <a:rPr lang="en-GB" sz="1800" dirty="0">
+              <a:rPr lang="en-GB" sz="2800" dirty="0">
                 <a:effectLst/>
                 <a:latin typeface="Calibri" panose="020F0502020204030204" pitchFamily="34" charset="0"/>
                 <a:ea typeface="Calibri" panose="020F0502020204030204" pitchFamily="34" charset="0"/>
@@ -4674,35 +4674,29 @@
               <a:t>".</a:t>
             </a:r>
             <a:r>
-              <a:rPr lang="en-GB" dirty="0">
+              <a:rPr lang="en-GB" sz="1800" dirty="0">
                 <a:effectLst/>
               </a:rPr>
-              <a:t> </a:t>
-            </a:r>
-            <a:r>
-              <a:rPr lang="en-GB" sz="1200" dirty="0">
-                <a:effectLst/>
-              </a:rPr>
-              <a:t>Technically,</a:t>
-            </a:r>
-            <a:r>
-              <a:rPr lang="en-GB" sz="1200" dirty="0"/>
+              <a:t> Technically,</a:t>
+            </a:r>
+            <a:r>
+              <a:rPr lang="en-GB" sz="1800" dirty="0"/>
               <a:t> a branch itself is a </a:t>
             </a:r>
             <a:r>
-              <a:rPr lang="en-GB" sz="1200" b="1" dirty="0"/>
+              <a:rPr lang="en-GB" sz="1800" b="1" dirty="0"/>
               <a:t>label</a:t>
             </a:r>
             <a:r>
-              <a:rPr lang="en-GB" sz="1200" dirty="0"/>
+              <a:rPr lang="en-GB" sz="1800" dirty="0"/>
               <a:t> that points to one commit, but </a:t>
             </a:r>
             <a:r>
-              <a:rPr lang="en-GB" sz="1200" b="1" dirty="0"/>
+              <a:rPr lang="en-GB" sz="1800" b="1" dirty="0"/>
               <a:t>moves along </a:t>
             </a:r>
             <a:r>
-              <a:rPr lang="en-GB" sz="1200" dirty="0"/>
+              <a:rPr lang="en-GB" sz="1800" dirty="0"/>
               <a:t>as new commits are added to the chain it tracks.</a:t>
             </a:r>
           </a:p>
@@ -4725,19 +4719,19 @@
               <a:defRPr/>
             </a:pPr>
             <a:r>
-              <a:rPr lang="en-GB" sz="1200" dirty="0"/>
+              <a:rPr lang="en-GB" sz="1800" dirty="0"/>
               <a:t>If you want to work on a new feature. you can create a new branch. Here we create a new branch called </a:t>
             </a:r>
             <a:r>
-              <a:rPr lang="en-GB" sz="1200" dirty="0" err="1"/>
+              <a:rPr lang="en-GB" sz="1800" dirty="0" err="1"/>
               <a:t>new_feature</a:t>
             </a:r>
             <a:r>
-              <a:rPr lang="en-GB" sz="1200" dirty="0"/>
+              <a:rPr lang="en-GB" sz="1800" dirty="0"/>
               <a:t>.</a:t>
             </a:r>
             <a:r>
-              <a:rPr lang="en-GB" sz="1800" dirty="0">
+              <a:rPr lang="en-GB" sz="2800" dirty="0">
                 <a:effectLst/>
                 <a:latin typeface="Calibri" panose="020F0502020204030204" pitchFamily="34" charset="0"/>
                 <a:ea typeface="Calibri" panose="020F0502020204030204" pitchFamily="34" charset="0"/>
@@ -4745,15 +4739,15 @@
               <a:t> The new branch starts as just a new pointer to the current commit.</a:t>
             </a:r>
             <a:r>
-              <a:rPr lang="en-GB" sz="1200" dirty="0"/>
+              <a:rPr lang="en-GB" sz="1800" dirty="0"/>
               <a:t> But now if you add more commits, they will be added to the </a:t>
             </a:r>
             <a:r>
-              <a:rPr lang="en-GB" sz="1200" dirty="0" err="1"/>
+              <a:rPr lang="en-GB" sz="1800" dirty="0" err="1"/>
               <a:t>new_feature</a:t>
             </a:r>
             <a:r>
-              <a:rPr lang="en-GB" sz="1200" dirty="0"/>
+              <a:rPr lang="en-GB" sz="1800" dirty="0"/>
               <a:t> branch.</a:t>
             </a:r>
           </a:p>
@@ -4767,7 +4761,7 @@
               </a:spcAft>
             </a:pPr>
             <a:r>
-              <a:rPr lang="en-GB" sz="1800" dirty="0">
+              <a:rPr lang="en-GB" sz="2800" dirty="0">
                 <a:effectLst/>
                 <a:latin typeface="Calibri" panose="020F0502020204030204" pitchFamily="34" charset="0"/>
                 <a:ea typeface="Calibri" panose="020F0502020204030204" pitchFamily="34" charset="0"/>
@@ -4795,7 +4789,7 @@
               <a:defRPr/>
             </a:pPr>
             <a:r>
-              <a:rPr lang="en-GB" sz="1800" dirty="0">
+              <a:rPr lang="en-GB" sz="2800" dirty="0">
                 <a:effectLst/>
                 <a:latin typeface="Calibri" panose="020F0502020204030204" pitchFamily="34" charset="0"/>
                 <a:ea typeface="Calibri" panose="020F0502020204030204" pitchFamily="34" charset="0"/>
@@ -4803,7 +4797,7 @@
               </a:rPr>
               <a:t>Eventually, once your feature is complete, you can tell Git to merge it back into the main branch. Git handles this merge process so that the main branch then contains all the changes from both branches. If there are conflicting changes, Git will require you to resolve them manually.</a:t>
             </a:r>
-            <a:endParaRPr lang="en-GB" sz="1800" dirty="0">
+            <a:endParaRPr lang="en-GB" sz="2800" dirty="0">
               <a:effectLst/>
               <a:latin typeface="Calibri" panose="020F0502020204030204" pitchFamily="34" charset="0"/>
               <a:ea typeface="Calibri" panose="020F0502020204030204" pitchFamily="34" charset="0"/>
@@ -4819,7 +4813,7 @@
                 <a:spcPts val="800"/>
               </a:spcAft>
             </a:pPr>
-            <a:endParaRPr lang="en-GB" sz="1800" dirty="0">
+            <a:endParaRPr lang="en-GB" sz="2800" dirty="0">
               <a:effectLst/>
               <a:latin typeface="Calibri" panose="020F0502020204030204" pitchFamily="34" charset="0"/>
               <a:ea typeface="Calibri" panose="020F0502020204030204" pitchFamily="34" charset="0"/>
@@ -4828,13 +4822,20 @@
           </a:p>
           <a:p>
             <a:r>
-              <a:rPr lang="en-GB" sz="1800" dirty="0">
+              <a:rPr lang="en-GB" sz="2800" dirty="0">
                 <a:effectLst/>
                 <a:latin typeface="Calibri" panose="020F0502020204030204" pitchFamily="34" charset="0"/>
                 <a:ea typeface="Times New Roman" panose="02020603050405020304" pitchFamily="18" charset="0"/>
               </a:rPr>
               <a:t>Branches are a powerful feature of Git. An important benefit is they allow multiple people to work on separate features at the same time, each working on a separate branch. Git then handles the process of merging all the changes together (although some manual work might be needed if there are conflicts, for example where two branches both try to modify the same section of a file).</a:t>
             </a:r>
+            <a:endParaRPr lang="en-GB" sz="2800" dirty="0">
+              <a:effectLst/>
+              <a:latin typeface="Times New Roman" panose="02020603050405020304" pitchFamily="18" charset="0"/>
+              <a:ea typeface="Times New Roman" panose="02020603050405020304" pitchFamily="18" charset="0"/>
+            </a:endParaRPr>
+          </a:p>
+          <a:p>
             <a:endParaRPr lang="en-GB" sz="1800" dirty="0">
               <a:effectLst/>
               <a:latin typeface="Times New Roman" panose="02020603050405020304" pitchFamily="18" charset="0"/>
@@ -4925,7 +4926,7 @@
           <a:p>
             <a:r>
               <a:rPr lang="en-US" dirty="0"/>
-              <a:t>GitHub is online platform that hosts the central, shared copy of your project, that everyone can copy, and work on, and then contribute their changes to.</a:t>
+              <a:t>GitHub is the web service that hosts the central, shared version of your project, that everyone can replicate and work on, and then contribute their changes to.</a:t>
             </a:r>
           </a:p>
           <a:p>
@@ -4937,7 +4938,7 @@
           <a:p>
             <a:r>
               <a:rPr lang="en-US" dirty="0"/>
-              <a:t>Let’s illustrate how people collaborate using GitHub, to share and </a:t>
+              <a:t>Let’s illustrate how colleagues can collaborate using GitHub, to share and </a:t>
             </a:r>
             <a:r>
               <a:rPr lang="en-US" dirty="0" err="1"/>
@@ -4960,7 +4961,7 @@
           <a:p>
             <a:r>
               <a:rPr lang="en-US" dirty="0"/>
-              <a:t>Then Kristina wants to contribute to the repo. So she clones the repo (again following the AP guidance.)</a:t>
+              <a:t>Then Kristina wants to contribute to the repo. So she Clones the repo to make a copy of it in her Analytical Platform area (again following the AP guidance.)</a:t>
             </a:r>
           </a:p>
           <a:p>
@@ -4986,19 +4987,19 @@
           <a:p>
             <a:r>
               <a:rPr lang="en-US" dirty="0"/>
-              <a:t>Now Ian decides to add a different feature, so he creates a branch, feature_2, and makes a series of commits until the feature is complete, and then he “pushes” the branch to GitHub.</a:t>
+              <a:t>Now Ian decides to add a different feature, so he creates a branch, feature_2, branching off from a different commit on the "main" branch, and makes a series of commits until the feature is complete, and then he “pushes” the branch to GitHub.</a:t>
             </a:r>
           </a:p>
           <a:p>
             <a:r>
               <a:rPr lang="en-US" dirty="0"/>
-              <a:t>Now the GitHub repo has all three branches as separate branches. Kristina and Ian want their features to be merged into the “main” branch.</a:t>
+              <a:t>Now the GitHub repo has all three branches as separate branches, and Kristina and Ian want their features to be merged into the “main” branch.</a:t>
             </a:r>
           </a:p>
           <a:p>
             <a:r>
               <a:rPr lang="en-US" dirty="0"/>
-              <a:t>The way to do that is by creating a “Pull request” on GitHub. That creates a page on GitHub with features to discuss and review code, so other team members can review the code before it gets merged into main.</a:t>
+              <a:t>The way to do that is by creating a “Pull request” on GitHub. That creates a page on GitHub with features to discuss and review code, so other team members can review the code in each feature branch before it gets merged into main.</a:t>
             </a:r>
           </a:p>
           <a:p>
@@ -5018,6 +5019,9 @@
               <a:rPr lang="en-US" dirty="0"/>
               <a:t>The last thing here is that both Kristina and Ian need to update their local copies of the repo, which is done using the “pull” command. Kristina pulls from GitHub to update her repo, and so does Ian, and now their copies of the repo are both up to date and they can repeat the process.</a:t>
             </a:r>
+          </a:p>
+          <a:p>
+            <a:endParaRPr lang="en-US" dirty="0"/>
           </a:p>
         </p:txBody>
       </p:sp>

--- a/GitGitHub slides.pptx
+++ b/GitGitHub slides.pptx
@@ -4261,7 +4261,7 @@
           <a:p>
             <a:fld id="{A14AF6C0-9D1B-694A-88E1-F5022D85B649}" type="datetimeFigureOut">
               <a:rPr lang="en-US" smtClean="0"/>
-              <a:t>11/6/23</a:t>
+              <a:t>11/7/23</a:t>
             </a:fld>
             <a:endParaRPr lang="en-US"/>
           </a:p>
@@ -5559,7 +5559,7 @@
           <a:p>
             <a:fld id="{C4E87295-D1B8-42CF-99E0-BB75CEDF8330}" type="datetimeFigureOut">
               <a:rPr lang="en-GB" smtClean="0"/>
-              <a:t>06/11/2023</a:t>
+              <a:t>07/11/2023</a:t>
             </a:fld>
             <a:endParaRPr lang="en-GB"/>
           </a:p>
@@ -5759,7 +5759,7 @@
           <a:p>
             <a:fld id="{C4E87295-D1B8-42CF-99E0-BB75CEDF8330}" type="datetimeFigureOut">
               <a:rPr lang="en-GB" smtClean="0"/>
-              <a:t>06/11/2023</a:t>
+              <a:t>07/11/2023</a:t>
             </a:fld>
             <a:endParaRPr lang="en-GB"/>
           </a:p>
@@ -5969,7 +5969,7 @@
           <a:p>
             <a:fld id="{C4E87295-D1B8-42CF-99E0-BB75CEDF8330}" type="datetimeFigureOut">
               <a:rPr lang="en-GB" smtClean="0"/>
-              <a:t>06/11/2023</a:t>
+              <a:t>07/11/2023</a:t>
             </a:fld>
             <a:endParaRPr lang="en-GB"/>
           </a:p>
@@ -6169,7 +6169,7 @@
           <a:p>
             <a:fld id="{C4E87295-D1B8-42CF-99E0-BB75CEDF8330}" type="datetimeFigureOut">
               <a:rPr lang="en-GB" smtClean="0"/>
-              <a:t>06/11/2023</a:t>
+              <a:t>07/11/2023</a:t>
             </a:fld>
             <a:endParaRPr lang="en-GB"/>
           </a:p>
@@ -6445,7 +6445,7 @@
           <a:p>
             <a:fld id="{C4E87295-D1B8-42CF-99E0-BB75CEDF8330}" type="datetimeFigureOut">
               <a:rPr lang="en-GB" smtClean="0"/>
-              <a:t>06/11/2023</a:t>
+              <a:t>07/11/2023</a:t>
             </a:fld>
             <a:endParaRPr lang="en-GB"/>
           </a:p>
@@ -6713,7 +6713,7 @@
           <a:p>
             <a:fld id="{C4E87295-D1B8-42CF-99E0-BB75CEDF8330}" type="datetimeFigureOut">
               <a:rPr lang="en-GB" smtClean="0"/>
-              <a:t>06/11/2023</a:t>
+              <a:t>07/11/2023</a:t>
             </a:fld>
             <a:endParaRPr lang="en-GB"/>
           </a:p>
@@ -7128,7 +7128,7 @@
           <a:p>
             <a:fld id="{C4E87295-D1B8-42CF-99E0-BB75CEDF8330}" type="datetimeFigureOut">
               <a:rPr lang="en-GB" smtClean="0"/>
-              <a:t>06/11/2023</a:t>
+              <a:t>07/11/2023</a:t>
             </a:fld>
             <a:endParaRPr lang="en-GB"/>
           </a:p>
@@ -7270,7 +7270,7 @@
           <a:p>
             <a:fld id="{C4E87295-D1B8-42CF-99E0-BB75CEDF8330}" type="datetimeFigureOut">
               <a:rPr lang="en-GB" smtClean="0"/>
-              <a:t>06/11/2023</a:t>
+              <a:t>07/11/2023</a:t>
             </a:fld>
             <a:endParaRPr lang="en-GB"/>
           </a:p>
@@ -7383,7 +7383,7 @@
           <a:p>
             <a:fld id="{C4E87295-D1B8-42CF-99E0-BB75CEDF8330}" type="datetimeFigureOut">
               <a:rPr lang="en-GB" smtClean="0"/>
-              <a:t>06/11/2023</a:t>
+              <a:t>07/11/2023</a:t>
             </a:fld>
             <a:endParaRPr lang="en-GB"/>
           </a:p>
@@ -7696,7 +7696,7 @@
           <a:p>
             <a:fld id="{C4E87295-D1B8-42CF-99E0-BB75CEDF8330}" type="datetimeFigureOut">
               <a:rPr lang="en-GB" smtClean="0"/>
-              <a:t>06/11/2023</a:t>
+              <a:t>07/11/2023</a:t>
             </a:fld>
             <a:endParaRPr lang="en-GB"/>
           </a:p>
@@ -7985,7 +7985,7 @@
           <a:p>
             <a:fld id="{C4E87295-D1B8-42CF-99E0-BB75CEDF8330}" type="datetimeFigureOut">
               <a:rPr lang="en-GB" smtClean="0"/>
-              <a:t>06/11/2023</a:t>
+              <a:t>07/11/2023</a:t>
             </a:fld>
             <a:endParaRPr lang="en-GB"/>
           </a:p>
@@ -8228,7 +8228,7 @@
           <a:p>
             <a:fld id="{C4E87295-D1B8-42CF-99E0-BB75CEDF8330}" type="datetimeFigureOut">
               <a:rPr lang="en-GB" smtClean="0"/>
-              <a:t>06/11/2023</a:t>
+              <a:t>07/11/2023</a:t>
             </a:fld>
             <a:endParaRPr lang="en-GB"/>
           </a:p>
@@ -35276,6 +35276,565 @@
           </a:ln>
         </p:spPr>
       </p:pic>
+      <p:sp>
+        <p:nvSpPr>
+          <p:cNvPr id="25" name="Rectangle 24">
+            <a:extLst>
+              <a:ext uri="{FF2B5EF4-FFF2-40B4-BE49-F238E27FC236}">
+                <a16:creationId xmlns:a16="http://schemas.microsoft.com/office/drawing/2014/main" id="{B038B519-7653-EA68-99F4-1EB35A3EE5E1}"/>
+              </a:ext>
+            </a:extLst>
+          </p:cNvPr>
+          <p:cNvSpPr/>
+          <p:nvPr/>
+        </p:nvSpPr>
+        <p:spPr>
+          <a:xfrm>
+            <a:off x="4757195" y="4602506"/>
+            <a:ext cx="2540848" cy="1056757"/>
+          </a:xfrm>
+          <a:prstGeom prst="rect">
+            <a:avLst/>
+          </a:prstGeom>
+          <a:solidFill>
+            <a:schemeClr val="bg1"/>
+          </a:solidFill>
+          <a:ln>
+            <a:noFill/>
+          </a:ln>
+        </p:spPr>
+        <p:style>
+          <a:lnRef idx="2">
+            <a:schemeClr val="accent1">
+              <a:shade val="15000"/>
+            </a:schemeClr>
+          </a:lnRef>
+          <a:fillRef idx="1">
+            <a:schemeClr val="accent1"/>
+          </a:fillRef>
+          <a:effectRef idx="0">
+            <a:schemeClr val="accent1"/>
+          </a:effectRef>
+          <a:fontRef idx="minor">
+            <a:schemeClr val="lt1"/>
+          </a:fontRef>
+        </p:style>
+        <p:txBody>
+          <a:bodyPr rtlCol="0" anchor="ctr"/>
+          <a:lstStyle/>
+          <a:p>
+            <a:pPr algn="ctr"/>
+            <a:endParaRPr lang="en-US"/>
+          </a:p>
+        </p:txBody>
+      </p:sp>
+      <p:grpSp>
+        <p:nvGrpSpPr>
+          <p:cNvPr id="6" name="Group 5">
+            <a:extLst>
+              <a:ext uri="{FF2B5EF4-FFF2-40B4-BE49-F238E27FC236}">
+                <a16:creationId xmlns:a16="http://schemas.microsoft.com/office/drawing/2014/main" id="{D4F52DC2-088D-B719-A212-3250D7DEC930}"/>
+              </a:ext>
+            </a:extLst>
+          </p:cNvPr>
+          <p:cNvGrpSpPr/>
+          <p:nvPr/>
+        </p:nvGrpSpPr>
+        <p:grpSpPr>
+          <a:xfrm>
+            <a:off x="4492143" y="4930958"/>
+            <a:ext cx="3418037" cy="1707120"/>
+            <a:chOff x="1802673" y="2014800"/>
+            <a:chExt cx="4513618" cy="2281307"/>
+          </a:xfrm>
+        </p:grpSpPr>
+        <p:sp>
+          <p:nvSpPr>
+            <p:cNvPr id="8" name="Rectangle: Rounded Corners 24">
+              <a:extLst>
+                <a:ext uri="{FF2B5EF4-FFF2-40B4-BE49-F238E27FC236}">
+                  <a16:creationId xmlns:a16="http://schemas.microsoft.com/office/drawing/2014/main" id="{3D4A0458-7810-0FE2-D0F6-210CBB6980AC}"/>
+                </a:ext>
+              </a:extLst>
+            </p:cNvPr>
+            <p:cNvSpPr/>
+            <p:nvPr/>
+          </p:nvSpPr>
+          <p:spPr>
+            <a:xfrm>
+              <a:off x="1802673" y="2147050"/>
+              <a:ext cx="360000" cy="360000"/>
+            </a:xfrm>
+            <a:prstGeom prst="roundRect">
+              <a:avLst/>
+            </a:prstGeom>
+          </p:spPr>
+          <p:style>
+            <a:lnRef idx="2">
+              <a:schemeClr val="accent4">
+                <a:shade val="50000"/>
+              </a:schemeClr>
+            </a:lnRef>
+            <a:fillRef idx="1">
+              <a:schemeClr val="accent4"/>
+            </a:fillRef>
+            <a:effectRef idx="0">
+              <a:schemeClr val="accent4"/>
+            </a:effectRef>
+            <a:fontRef idx="minor">
+              <a:schemeClr val="lt1"/>
+            </a:fontRef>
+          </p:style>
+          <p:txBody>
+            <a:bodyPr rtlCol="0" anchor="ctr"/>
+            <a:lstStyle/>
+            <a:p>
+              <a:pPr algn="ctr"/>
+              <a:r>
+                <a:rPr lang="en-GB" sz="1400" b="1"/>
+                <a:t>?</a:t>
+              </a:r>
+            </a:p>
+          </p:txBody>
+        </p:sp>
+        <p:sp>
+          <p:nvSpPr>
+            <p:cNvPr id="9" name="Rectangle: Rounded Corners 25">
+              <a:extLst>
+                <a:ext uri="{FF2B5EF4-FFF2-40B4-BE49-F238E27FC236}">
+                  <a16:creationId xmlns:a16="http://schemas.microsoft.com/office/drawing/2014/main" id="{3945D900-4C4A-F652-B554-9196964DEFBA}"/>
+                </a:ext>
+              </a:extLst>
+            </p:cNvPr>
+            <p:cNvSpPr/>
+            <p:nvPr/>
+          </p:nvSpPr>
+          <p:spPr>
+            <a:xfrm>
+              <a:off x="1802673" y="2591421"/>
+              <a:ext cx="360000" cy="360000"/>
+            </a:xfrm>
+            <a:prstGeom prst="roundRect">
+              <a:avLst/>
+            </a:prstGeom>
+          </p:spPr>
+          <p:style>
+            <a:lnRef idx="2">
+              <a:schemeClr val="accent1">
+                <a:shade val="50000"/>
+              </a:schemeClr>
+            </a:lnRef>
+            <a:fillRef idx="1">
+              <a:schemeClr val="accent1"/>
+            </a:fillRef>
+            <a:effectRef idx="0">
+              <a:schemeClr val="accent1"/>
+            </a:effectRef>
+            <a:fontRef idx="minor">
+              <a:schemeClr val="lt1"/>
+            </a:fontRef>
+          </p:style>
+          <p:txBody>
+            <a:bodyPr rtlCol="0" anchor="ctr"/>
+            <a:lstStyle/>
+            <a:p>
+              <a:pPr algn="ctr"/>
+              <a:r>
+                <a:rPr lang="en-GB" sz="1400" b="1"/>
+                <a:t>M</a:t>
+              </a:r>
+            </a:p>
+          </p:txBody>
+        </p:sp>
+        <p:sp>
+          <p:nvSpPr>
+            <p:cNvPr id="10" name="Rectangle: Rounded Corners 26">
+              <a:extLst>
+                <a:ext uri="{FF2B5EF4-FFF2-40B4-BE49-F238E27FC236}">
+                  <a16:creationId xmlns:a16="http://schemas.microsoft.com/office/drawing/2014/main" id="{5098136A-0646-8BBC-3C0C-4ABC60E5F3B9}"/>
+                </a:ext>
+              </a:extLst>
+            </p:cNvPr>
+            <p:cNvSpPr/>
+            <p:nvPr/>
+          </p:nvSpPr>
+          <p:spPr>
+            <a:xfrm>
+              <a:off x="1802673" y="3032468"/>
+              <a:ext cx="360000" cy="360000"/>
+            </a:xfrm>
+            <a:prstGeom prst="roundRect">
+              <a:avLst/>
+            </a:prstGeom>
+            <a:solidFill>
+              <a:srgbClr val="00B050"/>
+            </a:solidFill>
+          </p:spPr>
+          <p:style>
+            <a:lnRef idx="2">
+              <a:schemeClr val="accent6">
+                <a:shade val="50000"/>
+              </a:schemeClr>
+            </a:lnRef>
+            <a:fillRef idx="1">
+              <a:schemeClr val="accent6"/>
+            </a:fillRef>
+            <a:effectRef idx="0">
+              <a:schemeClr val="accent6"/>
+            </a:effectRef>
+            <a:fontRef idx="minor">
+              <a:schemeClr val="lt1"/>
+            </a:fontRef>
+          </p:style>
+          <p:txBody>
+            <a:bodyPr rtlCol="0" anchor="ctr"/>
+            <a:lstStyle/>
+            <a:p>
+              <a:pPr algn="ctr"/>
+              <a:r>
+                <a:rPr lang="en-GB" sz="1400" b="1"/>
+                <a:t>A</a:t>
+              </a:r>
+            </a:p>
+          </p:txBody>
+        </p:sp>
+        <p:sp>
+          <p:nvSpPr>
+            <p:cNvPr id="12" name="Rectangle: Rounded Corners 27">
+              <a:extLst>
+                <a:ext uri="{FF2B5EF4-FFF2-40B4-BE49-F238E27FC236}">
+                  <a16:creationId xmlns:a16="http://schemas.microsoft.com/office/drawing/2014/main" id="{DEB5B6CA-AFEC-9AC8-0A25-BB78328B2753}"/>
+                </a:ext>
+              </a:extLst>
+            </p:cNvPr>
+            <p:cNvSpPr/>
+            <p:nvPr/>
+          </p:nvSpPr>
+          <p:spPr>
+            <a:xfrm>
+              <a:off x="1802673" y="3472203"/>
+              <a:ext cx="360000" cy="360000"/>
+            </a:xfrm>
+            <a:prstGeom prst="roundRect">
+              <a:avLst/>
+            </a:prstGeom>
+            <a:solidFill>
+              <a:srgbClr val="FF0000"/>
+            </a:solidFill>
+          </p:spPr>
+          <p:style>
+            <a:lnRef idx="2">
+              <a:schemeClr val="accent2">
+                <a:shade val="50000"/>
+              </a:schemeClr>
+            </a:lnRef>
+            <a:fillRef idx="1">
+              <a:schemeClr val="accent2"/>
+            </a:fillRef>
+            <a:effectRef idx="0">
+              <a:schemeClr val="accent2"/>
+            </a:effectRef>
+            <a:fontRef idx="minor">
+              <a:schemeClr val="lt1"/>
+            </a:fontRef>
+          </p:style>
+          <p:txBody>
+            <a:bodyPr rtlCol="0" anchor="ctr"/>
+            <a:lstStyle/>
+            <a:p>
+              <a:pPr algn="ctr"/>
+              <a:r>
+                <a:rPr lang="en-GB" sz="1400" b="1"/>
+                <a:t>D</a:t>
+              </a:r>
+            </a:p>
+          </p:txBody>
+        </p:sp>
+        <p:sp>
+          <p:nvSpPr>
+            <p:cNvPr id="15" name="Rectangle: Rounded Corners 54">
+              <a:extLst>
+                <a:ext uri="{FF2B5EF4-FFF2-40B4-BE49-F238E27FC236}">
+                  <a16:creationId xmlns:a16="http://schemas.microsoft.com/office/drawing/2014/main" id="{E3A0B8D7-AEA7-D763-9671-6CF052E3026E}"/>
+                </a:ext>
+              </a:extLst>
+            </p:cNvPr>
+            <p:cNvSpPr/>
+            <p:nvPr/>
+          </p:nvSpPr>
+          <p:spPr>
+            <a:xfrm>
+              <a:off x="1802673" y="3913376"/>
+              <a:ext cx="360000" cy="360000"/>
+            </a:xfrm>
+            <a:prstGeom prst="roundRect">
+              <a:avLst/>
+            </a:prstGeom>
+            <a:solidFill>
+              <a:srgbClr val="C62BC6"/>
+            </a:solidFill>
+          </p:spPr>
+          <p:style>
+            <a:lnRef idx="2">
+              <a:schemeClr val="accent1">
+                <a:shade val="50000"/>
+              </a:schemeClr>
+            </a:lnRef>
+            <a:fillRef idx="1">
+              <a:schemeClr val="accent1"/>
+            </a:fillRef>
+            <a:effectRef idx="0">
+              <a:schemeClr val="accent1"/>
+            </a:effectRef>
+            <a:fontRef idx="minor">
+              <a:schemeClr val="lt1"/>
+            </a:fontRef>
+          </p:style>
+          <p:txBody>
+            <a:bodyPr rtlCol="0" anchor="ctr"/>
+            <a:lstStyle/>
+            <a:p>
+              <a:pPr algn="ctr"/>
+              <a:r>
+                <a:rPr lang="en-GB" sz="1400" b="1"/>
+                <a:t>R</a:t>
+              </a:r>
+            </a:p>
+          </p:txBody>
+        </p:sp>
+        <p:sp>
+          <p:nvSpPr>
+            <p:cNvPr id="16" name="TextBox 15">
+              <a:extLst>
+                <a:ext uri="{FF2B5EF4-FFF2-40B4-BE49-F238E27FC236}">
+                  <a16:creationId xmlns:a16="http://schemas.microsoft.com/office/drawing/2014/main" id="{4DC7495E-E660-3B69-FA54-9713B1D191E0}"/>
+                </a:ext>
+              </a:extLst>
+            </p:cNvPr>
+            <p:cNvSpPr txBox="1"/>
+            <p:nvPr/>
+          </p:nvSpPr>
+          <p:spPr>
+            <a:xfrm>
+              <a:off x="2275889" y="2014800"/>
+              <a:ext cx="4040402" cy="639824"/>
+            </a:xfrm>
+            <a:prstGeom prst="rect">
+              <a:avLst/>
+            </a:prstGeom>
+            <a:noFill/>
+          </p:spPr>
+          <p:txBody>
+            <a:bodyPr wrap="none" rtlCol="0">
+              <a:spAutoFit/>
+            </a:bodyPr>
+            <a:lstStyle/>
+            <a:p>
+              <a:pPr lvl="0">
+                <a:lnSpc>
+                  <a:spcPct val="107000"/>
+                </a:lnSpc>
+              </a:pPr>
+              <a:r>
+                <a:rPr lang="en-GB" sz="1200" dirty="0">
+                  <a:effectLst/>
+                  <a:latin typeface="Calibri" panose="020F0502020204030204" pitchFamily="34" charset="0"/>
+                  <a:ea typeface="Calibri" panose="020F0502020204030204" pitchFamily="34" charset="0"/>
+                  <a:cs typeface="Times New Roman" panose="02020603050405020304" pitchFamily="18" charset="0"/>
+                </a:rPr>
+                <a:t>An untracked file – a file that has not yet been</a:t>
+              </a:r>
+            </a:p>
+            <a:p>
+              <a:pPr lvl="0">
+                <a:lnSpc>
+                  <a:spcPct val="107000"/>
+                </a:lnSpc>
+              </a:pPr>
+              <a:r>
+                <a:rPr lang="en-GB" sz="1200" dirty="0">
+                  <a:effectLst/>
+                  <a:latin typeface="Calibri" panose="020F0502020204030204" pitchFamily="34" charset="0"/>
+                  <a:ea typeface="Calibri" panose="020F0502020204030204" pitchFamily="34" charset="0"/>
+                  <a:cs typeface="Times New Roman" panose="02020603050405020304" pitchFamily="18" charset="0"/>
+                </a:rPr>
+                <a:t>staged or committed.</a:t>
+              </a:r>
+            </a:p>
+          </p:txBody>
+        </p:sp>
+        <p:sp>
+          <p:nvSpPr>
+            <p:cNvPr id="18" name="TextBox 17">
+              <a:extLst>
+                <a:ext uri="{FF2B5EF4-FFF2-40B4-BE49-F238E27FC236}">
+                  <a16:creationId xmlns:a16="http://schemas.microsoft.com/office/drawing/2014/main" id="{DBC1F359-B987-436D-9905-59EF592B189E}"/>
+                </a:ext>
+              </a:extLst>
+            </p:cNvPr>
+            <p:cNvSpPr txBox="1"/>
+            <p:nvPr/>
+          </p:nvSpPr>
+          <p:spPr>
+            <a:xfrm>
+              <a:off x="2275889" y="2600822"/>
+              <a:ext cx="1988237" cy="281167"/>
+            </a:xfrm>
+            <a:prstGeom prst="rect">
+              <a:avLst/>
+            </a:prstGeom>
+            <a:noFill/>
+          </p:spPr>
+          <p:txBody>
+            <a:bodyPr wrap="none" rtlCol="0">
+              <a:spAutoFit/>
+            </a:bodyPr>
+            <a:lstStyle/>
+            <a:p>
+              <a:pPr lvl="0">
+                <a:lnSpc>
+                  <a:spcPct val="107000"/>
+                </a:lnSpc>
+              </a:pPr>
+              <a:r>
+                <a:rPr lang="en-GB" sz="1200" dirty="0">
+                  <a:effectLst/>
+                  <a:latin typeface="Calibri" panose="020F0502020204030204" pitchFamily="34" charset="0"/>
+                  <a:ea typeface="Calibri" panose="020F0502020204030204" pitchFamily="34" charset="0"/>
+                  <a:cs typeface="Times New Roman" panose="02020603050405020304" pitchFamily="18" charset="0"/>
+                </a:rPr>
+                <a:t>A file that has been modified</a:t>
+              </a:r>
+            </a:p>
+          </p:txBody>
+        </p:sp>
+        <p:sp>
+          <p:nvSpPr>
+            <p:cNvPr id="19" name="TextBox 18">
+              <a:extLst>
+                <a:ext uri="{FF2B5EF4-FFF2-40B4-BE49-F238E27FC236}">
+                  <a16:creationId xmlns:a16="http://schemas.microsoft.com/office/drawing/2014/main" id="{5C08DD05-0A4C-C1CF-6BC9-2D7A80A0E228}"/>
+                </a:ext>
+              </a:extLst>
+            </p:cNvPr>
+            <p:cNvSpPr txBox="1"/>
+            <p:nvPr/>
+          </p:nvSpPr>
+          <p:spPr>
+            <a:xfrm>
+              <a:off x="2275889" y="3040718"/>
+              <a:ext cx="3056734" cy="281167"/>
+            </a:xfrm>
+            <a:prstGeom prst="rect">
+              <a:avLst/>
+            </a:prstGeom>
+            <a:noFill/>
+          </p:spPr>
+          <p:txBody>
+            <a:bodyPr wrap="none" rtlCol="0">
+              <a:spAutoFit/>
+            </a:bodyPr>
+            <a:lstStyle/>
+            <a:p>
+              <a:pPr lvl="0">
+                <a:lnSpc>
+                  <a:spcPct val="107000"/>
+                </a:lnSpc>
+              </a:pPr>
+              <a:r>
+                <a:rPr lang="en-GB" sz="1200" dirty="0">
+                  <a:effectLst/>
+                  <a:latin typeface="Calibri" panose="020F0502020204030204" pitchFamily="34" charset="0"/>
+                  <a:ea typeface="Calibri" panose="020F0502020204030204" pitchFamily="34" charset="0"/>
+                  <a:cs typeface="Times New Roman" panose="02020603050405020304" pitchFamily="18" charset="0"/>
+                </a:rPr>
+                <a:t>A file that has been added to the staging area.</a:t>
+              </a:r>
+            </a:p>
+          </p:txBody>
+        </p:sp>
+        <p:sp>
+          <p:nvSpPr>
+            <p:cNvPr id="20" name="TextBox 19">
+              <a:extLst>
+                <a:ext uri="{FF2B5EF4-FFF2-40B4-BE49-F238E27FC236}">
+                  <a16:creationId xmlns:a16="http://schemas.microsoft.com/office/drawing/2014/main" id="{30EAA51D-ABFF-BF94-F0A6-BF58758CC643}"/>
+                </a:ext>
+              </a:extLst>
+            </p:cNvPr>
+            <p:cNvSpPr txBox="1"/>
+            <p:nvPr/>
+          </p:nvSpPr>
+          <p:spPr>
+            <a:xfrm>
+              <a:off x="2275889" y="3482926"/>
+              <a:ext cx="1942455" cy="276999"/>
+            </a:xfrm>
+            <a:prstGeom prst="rect">
+              <a:avLst/>
+            </a:prstGeom>
+            <a:noFill/>
+          </p:spPr>
+          <p:txBody>
+            <a:bodyPr wrap="none" rtlCol="0">
+              <a:spAutoFit/>
+            </a:bodyPr>
+            <a:lstStyle/>
+            <a:p>
+              <a:r>
+                <a:rPr lang="en-GB" sz="1200">
+                  <a:effectLst/>
+                  <a:latin typeface="Calibri" panose="020F0502020204030204" pitchFamily="34" charset="0"/>
+                  <a:ea typeface="Calibri" panose="020F0502020204030204" pitchFamily="34" charset="0"/>
+                  <a:cs typeface="Times New Roman" panose="02020603050405020304" pitchFamily="18" charset="0"/>
+                </a:rPr>
+                <a:t>A file that has been deleted.</a:t>
+              </a:r>
+            </a:p>
+          </p:txBody>
+        </p:sp>
+        <p:sp>
+          <p:nvSpPr>
+            <p:cNvPr id="22" name="TextBox 21">
+              <a:extLst>
+                <a:ext uri="{FF2B5EF4-FFF2-40B4-BE49-F238E27FC236}">
+                  <a16:creationId xmlns:a16="http://schemas.microsoft.com/office/drawing/2014/main" id="{085A4E84-BFF9-B16B-0ACE-D5A0AA4FE383}"/>
+                </a:ext>
+              </a:extLst>
+            </p:cNvPr>
+            <p:cNvSpPr txBox="1"/>
+            <p:nvPr/>
+          </p:nvSpPr>
+          <p:spPr>
+            <a:xfrm>
+              <a:off x="2275889" y="3925940"/>
+              <a:ext cx="2679969" cy="370167"/>
+            </a:xfrm>
+            <a:prstGeom prst="rect">
+              <a:avLst/>
+            </a:prstGeom>
+            <a:noFill/>
+          </p:spPr>
+          <p:txBody>
+            <a:bodyPr wrap="none" rtlCol="0">
+              <a:spAutoFit/>
+            </a:bodyPr>
+            <a:lstStyle/>
+            <a:p>
+              <a:r>
+                <a:rPr lang="en-GB" sz="1200">
+                  <a:effectLst/>
+                  <a:latin typeface="Calibri" panose="020F0502020204030204" pitchFamily="34" charset="0"/>
+                  <a:ea typeface="Calibri" panose="020F0502020204030204" pitchFamily="34" charset="0"/>
+                  <a:cs typeface="Times New Roman" panose="02020603050405020304" pitchFamily="18" charset="0"/>
+                </a:rPr>
+                <a:t>A file that has been renamed.</a:t>
+              </a:r>
+              <a:endParaRPr lang="en-GB" sz="1200"/>
+            </a:p>
+          </p:txBody>
+        </p:sp>
+      </p:grpSp>
     </p:spTree>
     <p:extLst>
       <p:ext uri="{BB962C8B-B14F-4D97-AF65-F5344CB8AC3E}">

--- a/GitGitHub slides.pptx
+++ b/GitGitHub slides.pptx
@@ -5,7 +5,7 @@
     <p:sldMasterId id="2147483648" r:id="rId1"/>
   </p:sldMasterIdLst>
   <p:notesMasterIdLst>
-    <p:notesMasterId r:id="rId26"/>
+    <p:notesMasterId r:id="rId34"/>
   </p:notesMasterIdLst>
   <p:sldIdLst>
     <p:sldId id="279" r:id="rId2"/>
@@ -32,6 +32,14 @@
     <p:sldId id="272" r:id="rId23"/>
     <p:sldId id="273" r:id="rId24"/>
     <p:sldId id="275" r:id="rId25"/>
+    <p:sldId id="321" r:id="rId26"/>
+    <p:sldId id="324" r:id="rId27"/>
+    <p:sldId id="325" r:id="rId28"/>
+    <p:sldId id="326" r:id="rId29"/>
+    <p:sldId id="327" r:id="rId30"/>
+    <p:sldId id="328" r:id="rId31"/>
+    <p:sldId id="329" r:id="rId32"/>
+    <p:sldId id="330" r:id="rId33"/>
   </p:sldIdLst>
   <p:sldSz cx="12192000" cy="6858000"/>
   <p:notesSz cx="6858000" cy="9144000"/>
@@ -4491,7 +4499,7 @@
           <a:p>
             <a:fld id="{A14AF6C0-9D1B-694A-88E1-F5022D85B649}" type="datetimeFigureOut">
               <a:rPr lang="en-US" smtClean="0"/>
-              <a:t>6/25/24</a:t>
+              <a:t>11/11/2024</a:t>
             </a:fld>
             <a:endParaRPr lang="en-US"/>
           </a:p>
@@ -5114,6 +5122,90 @@
 </p:notes>
 </file>
 
+<file path=ppt/notesSlides/notesSlide10.xml><?xml version="1.0" encoding="utf-8"?>
+<p:notes xmlns:a="http://schemas.openxmlformats.org/drawingml/2006/main" xmlns:r="http://schemas.openxmlformats.org/officeDocument/2006/relationships" xmlns:p="http://schemas.openxmlformats.org/presentationml/2006/main">
+  <p:cSld>
+    <p:spTree>
+      <p:nvGrpSpPr>
+        <p:cNvPr id="1" name=""/>
+        <p:cNvGrpSpPr/>
+        <p:nvPr/>
+      </p:nvGrpSpPr>
+      <p:grpSpPr>
+        <a:xfrm>
+          <a:off x="0" y="0"/>
+          <a:ext cx="0" cy="0"/>
+          <a:chOff x="0" y="0"/>
+          <a:chExt cx="0" cy="0"/>
+        </a:xfrm>
+      </p:grpSpPr>
+      <p:sp>
+        <p:nvSpPr>
+          <p:cNvPr id="2" name="Slide Image Placeholder 1"/>
+          <p:cNvSpPr>
+            <a:spLocks noGrp="1" noRot="1" noChangeAspect="1"/>
+          </p:cNvSpPr>
+          <p:nvPr>
+            <p:ph type="sldImg"/>
+          </p:nvPr>
+        </p:nvSpPr>
+        <p:spPr/>
+      </p:sp>
+      <p:sp>
+        <p:nvSpPr>
+          <p:cNvPr id="3" name="Notes Placeholder 2"/>
+          <p:cNvSpPr>
+            <a:spLocks noGrp="1"/>
+          </p:cNvSpPr>
+          <p:nvPr>
+            <p:ph type="body" idx="1"/>
+          </p:nvPr>
+        </p:nvSpPr>
+        <p:spPr/>
+        <p:txBody>
+          <a:bodyPr/>
+          <a:lstStyle/>
+          <a:p>
+            <a:endParaRPr lang="en-GB" dirty="0"/>
+          </a:p>
+        </p:txBody>
+      </p:sp>
+      <p:sp>
+        <p:nvSpPr>
+          <p:cNvPr id="4" name="Slide Number Placeholder 3"/>
+          <p:cNvSpPr>
+            <a:spLocks noGrp="1"/>
+          </p:cNvSpPr>
+          <p:nvPr>
+            <p:ph type="sldNum" sz="quarter" idx="5"/>
+          </p:nvPr>
+        </p:nvSpPr>
+        <p:spPr/>
+        <p:txBody>
+          <a:bodyPr/>
+          <a:lstStyle/>
+          <a:p>
+            <a:fld id="{F76F9C5A-9158-8842-AC17-0278D3BFF712}" type="slidenum">
+              <a:rPr lang="en-US" smtClean="0"/>
+              <a:t>27</a:t>
+            </a:fld>
+            <a:endParaRPr lang="en-US"/>
+          </a:p>
+        </p:txBody>
+      </p:sp>
+    </p:spTree>
+    <p:extLst>
+      <p:ext uri="{BB962C8B-B14F-4D97-AF65-F5344CB8AC3E}">
+        <p14:creationId xmlns:p14="http://schemas.microsoft.com/office/powerpoint/2010/main" val="1183432337"/>
+      </p:ext>
+    </p:extLst>
+  </p:cSld>
+  <p:clrMapOvr>
+    <a:masterClrMapping/>
+  </p:clrMapOvr>
+</p:notes>
+</file>
+
 <file path=ppt/notesSlides/notesSlide2.xml><?xml version="1.0" encoding="utf-8"?>
 <p:notes xmlns:a="http://schemas.openxmlformats.org/drawingml/2006/main" xmlns:r="http://schemas.openxmlformats.org/officeDocument/2006/relationships" xmlns:p="http://schemas.openxmlformats.org/presentationml/2006/main">
   <p:cSld>
@@ -6337,7 +6429,7 @@
           <a:p>
             <a:fld id="{C4E87295-D1B8-42CF-99E0-BB75CEDF8330}" type="datetimeFigureOut">
               <a:rPr lang="en-GB" smtClean="0"/>
-              <a:t>25/06/2024</a:t>
+              <a:t>11/11/2024</a:t>
             </a:fld>
             <a:endParaRPr lang="en-GB"/>
           </a:p>
@@ -6537,7 +6629,7 @@
           <a:p>
             <a:fld id="{C4E87295-D1B8-42CF-99E0-BB75CEDF8330}" type="datetimeFigureOut">
               <a:rPr lang="en-GB" smtClean="0"/>
-              <a:t>25/06/2024</a:t>
+              <a:t>11/11/2024</a:t>
             </a:fld>
             <a:endParaRPr lang="en-GB"/>
           </a:p>
@@ -6747,7 +6839,7 @@
           <a:p>
             <a:fld id="{C4E87295-D1B8-42CF-99E0-BB75CEDF8330}" type="datetimeFigureOut">
               <a:rPr lang="en-GB" smtClean="0"/>
-              <a:t>25/06/2024</a:t>
+              <a:t>11/11/2024</a:t>
             </a:fld>
             <a:endParaRPr lang="en-GB"/>
           </a:p>
@@ -6947,7 +7039,7 @@
           <a:p>
             <a:fld id="{C4E87295-D1B8-42CF-99E0-BB75CEDF8330}" type="datetimeFigureOut">
               <a:rPr lang="en-GB" smtClean="0"/>
-              <a:t>25/06/2024</a:t>
+              <a:t>11/11/2024</a:t>
             </a:fld>
             <a:endParaRPr lang="en-GB"/>
           </a:p>
@@ -7223,7 +7315,7 @@
           <a:p>
             <a:fld id="{C4E87295-D1B8-42CF-99E0-BB75CEDF8330}" type="datetimeFigureOut">
               <a:rPr lang="en-GB" smtClean="0"/>
-              <a:t>25/06/2024</a:t>
+              <a:t>11/11/2024</a:t>
             </a:fld>
             <a:endParaRPr lang="en-GB"/>
           </a:p>
@@ -7491,7 +7583,7 @@
           <a:p>
             <a:fld id="{C4E87295-D1B8-42CF-99E0-BB75CEDF8330}" type="datetimeFigureOut">
               <a:rPr lang="en-GB" smtClean="0"/>
-              <a:t>25/06/2024</a:t>
+              <a:t>11/11/2024</a:t>
             </a:fld>
             <a:endParaRPr lang="en-GB"/>
           </a:p>
@@ -7906,7 +7998,7 @@
           <a:p>
             <a:fld id="{C4E87295-D1B8-42CF-99E0-BB75CEDF8330}" type="datetimeFigureOut">
               <a:rPr lang="en-GB" smtClean="0"/>
-              <a:t>25/06/2024</a:t>
+              <a:t>11/11/2024</a:t>
             </a:fld>
             <a:endParaRPr lang="en-GB"/>
           </a:p>
@@ -8048,7 +8140,7 @@
           <a:p>
             <a:fld id="{C4E87295-D1B8-42CF-99E0-BB75CEDF8330}" type="datetimeFigureOut">
               <a:rPr lang="en-GB" smtClean="0"/>
-              <a:t>25/06/2024</a:t>
+              <a:t>11/11/2024</a:t>
             </a:fld>
             <a:endParaRPr lang="en-GB"/>
           </a:p>
@@ -8161,7 +8253,7 @@
           <a:p>
             <a:fld id="{C4E87295-D1B8-42CF-99E0-BB75CEDF8330}" type="datetimeFigureOut">
               <a:rPr lang="en-GB" smtClean="0"/>
-              <a:t>25/06/2024</a:t>
+              <a:t>11/11/2024</a:t>
             </a:fld>
             <a:endParaRPr lang="en-GB"/>
           </a:p>
@@ -8474,7 +8566,7 @@
           <a:p>
             <a:fld id="{C4E87295-D1B8-42CF-99E0-BB75CEDF8330}" type="datetimeFigureOut">
               <a:rPr lang="en-GB" smtClean="0"/>
-              <a:t>25/06/2024</a:t>
+              <a:t>11/11/2024</a:t>
             </a:fld>
             <a:endParaRPr lang="en-GB"/>
           </a:p>
@@ -8763,7 +8855,7 @@
           <a:p>
             <a:fld id="{C4E87295-D1B8-42CF-99E0-BB75CEDF8330}" type="datetimeFigureOut">
               <a:rPr lang="en-GB" smtClean="0"/>
-              <a:t>25/06/2024</a:t>
+              <a:t>11/11/2024</a:t>
             </a:fld>
             <a:endParaRPr lang="en-GB"/>
           </a:p>
@@ -9006,7 +9098,7 @@
           <a:p>
             <a:fld id="{C4E87295-D1B8-42CF-99E0-BB75CEDF8330}" type="datetimeFigureOut">
               <a:rPr lang="en-GB" smtClean="0"/>
-              <a:t>25/06/2024</a:t>
+              <a:t>11/11/2024</a:t>
             </a:fld>
             <a:endParaRPr lang="en-GB"/>
           </a:p>
@@ -9441,13 +9533,13 @@
         </p:nvSpPr>
         <p:spPr>
           <a:xfrm>
-            <a:off x="838200" y="2766218"/>
-            <a:ext cx="10515600" cy="1325563"/>
+            <a:off x="838199" y="2766218"/>
+            <a:ext cx="11012055" cy="1325563"/>
           </a:xfrm>
         </p:spPr>
         <p:txBody>
           <a:bodyPr>
-            <a:normAutofit fontScale="90000"/>
+            <a:noAutofit/>
           </a:bodyPr>
           <a:lstStyle/>
           <a:p>
@@ -9459,7 +9551,7 @@
                 <a:latin typeface="Arial" panose="020B0604020202020204" pitchFamily="34" charset="0"/>
                 <a:cs typeface="Arial" panose="020B0604020202020204" pitchFamily="34" charset="0"/>
               </a:rPr>
-              <a:t>Overview of Git and GitHub concepts</a:t>
+              <a:t>2. Overview of Git and GitHub concepts</a:t>
             </a:r>
           </a:p>
         </p:txBody>
@@ -9518,7 +9610,7 @@
         </p:spPr>
         <p:txBody>
           <a:bodyPr>
-            <a:normAutofit fontScale="90000"/>
+            <a:noAutofit/>
           </a:bodyPr>
           <a:lstStyle/>
           <a:p>
@@ -9530,7 +9622,7 @@
                 <a:latin typeface="Arial" panose="020B0604020202020204" pitchFamily="34" charset="0"/>
                 <a:cs typeface="Arial" panose="020B0604020202020204" pitchFamily="34" charset="0"/>
               </a:rPr>
-              <a:t>Walk-through of the basic Git workflow</a:t>
+              <a:t>3. Walk-through of the basic Git workflow</a:t>
             </a:r>
           </a:p>
         </p:txBody>
@@ -16332,6 +16424,1048 @@
 </p:sld>
 </file>
 
+<file path=ppt/slides/slide25.xml><?xml version="1.0" encoding="utf-8"?>
+<p:sld xmlns:a="http://schemas.openxmlformats.org/drawingml/2006/main" xmlns:r="http://schemas.openxmlformats.org/officeDocument/2006/relationships" xmlns:p="http://schemas.openxmlformats.org/presentationml/2006/main">
+  <p:cSld>
+    <p:spTree>
+      <p:nvGrpSpPr>
+        <p:cNvPr id="1" name=""/>
+        <p:cNvGrpSpPr/>
+        <p:nvPr/>
+      </p:nvGrpSpPr>
+      <p:grpSpPr>
+        <a:xfrm>
+          <a:off x="0" y="0"/>
+          <a:ext cx="0" cy="0"/>
+          <a:chOff x="0" y="0"/>
+          <a:chExt cx="0" cy="0"/>
+        </a:xfrm>
+      </p:grpSpPr>
+      <p:sp>
+        <p:nvSpPr>
+          <p:cNvPr id="2" name="Title 1">
+            <a:extLst>
+              <a:ext uri="{FF2B5EF4-FFF2-40B4-BE49-F238E27FC236}">
+                <a16:creationId xmlns:a16="http://schemas.microsoft.com/office/drawing/2014/main" id="{C0F6CC02-4AAE-443A-B57D-A83771EA38F3}"/>
+              </a:ext>
+            </a:extLst>
+          </p:cNvPr>
+          <p:cNvSpPr>
+            <a:spLocks noGrp="1"/>
+          </p:cNvSpPr>
+          <p:nvPr>
+            <p:ph type="title"/>
+          </p:nvPr>
+        </p:nvSpPr>
+        <p:spPr>
+          <a:xfrm>
+            <a:off x="838200" y="2766218"/>
+            <a:ext cx="10515600" cy="1325563"/>
+          </a:xfrm>
+        </p:spPr>
+        <p:txBody>
+          <a:bodyPr>
+            <a:normAutofit/>
+          </a:bodyPr>
+          <a:lstStyle/>
+          <a:p>
+            <a:r>
+              <a:rPr lang="en-GB" sz="6600" b="1" dirty="0">
+                <a:solidFill>
+                  <a:srgbClr val="1D609D"/>
+                </a:solidFill>
+                <a:latin typeface="Arial" panose="020B0604020202020204" pitchFamily="34" charset="0"/>
+                <a:cs typeface="Arial" panose="020B0604020202020204" pitchFamily="34" charset="0"/>
+              </a:rPr>
+              <a:t>4. Advanced topics</a:t>
+            </a:r>
+            <a:endParaRPr lang="en-GB" sz="6600" b="1" dirty="0">
+              <a:solidFill>
+                <a:srgbClr val="1D609D"/>
+              </a:solidFill>
+            </a:endParaRPr>
+          </a:p>
+        </p:txBody>
+      </p:sp>
+    </p:spTree>
+    <p:extLst>
+      <p:ext uri="{BB962C8B-B14F-4D97-AF65-F5344CB8AC3E}">
+        <p14:creationId xmlns:p14="http://schemas.microsoft.com/office/powerpoint/2010/main" val="3956379684"/>
+      </p:ext>
+    </p:extLst>
+  </p:cSld>
+  <p:clrMapOvr>
+    <a:masterClrMapping/>
+  </p:clrMapOvr>
+</p:sld>
+</file>
+
+<file path=ppt/slides/slide26.xml><?xml version="1.0" encoding="utf-8"?>
+<p:sld xmlns:a="http://schemas.openxmlformats.org/drawingml/2006/main" xmlns:r="http://schemas.openxmlformats.org/officeDocument/2006/relationships" xmlns:p="http://schemas.openxmlformats.org/presentationml/2006/main">
+  <p:cSld>
+    <p:spTree>
+      <p:nvGrpSpPr>
+        <p:cNvPr id="1" name=""/>
+        <p:cNvGrpSpPr/>
+        <p:nvPr/>
+      </p:nvGrpSpPr>
+      <p:grpSpPr>
+        <a:xfrm>
+          <a:off x="0" y="0"/>
+          <a:ext cx="0" cy="0"/>
+          <a:chOff x="0" y="0"/>
+          <a:chExt cx="0" cy="0"/>
+        </a:xfrm>
+      </p:grpSpPr>
+      <p:sp>
+        <p:nvSpPr>
+          <p:cNvPr id="2" name="Title 1">
+            <a:extLst>
+              <a:ext uri="{FF2B5EF4-FFF2-40B4-BE49-F238E27FC236}">
+                <a16:creationId xmlns:a16="http://schemas.microsoft.com/office/drawing/2014/main" id="{492167A0-D444-8401-311B-78A2CECCCCA1}"/>
+              </a:ext>
+            </a:extLst>
+          </p:cNvPr>
+          <p:cNvSpPr>
+            <a:spLocks noGrp="1"/>
+          </p:cNvSpPr>
+          <p:nvPr>
+            <p:ph type="title"/>
+          </p:nvPr>
+        </p:nvSpPr>
+        <p:spPr>
+          <a:xfrm>
+            <a:off x="936777" y="149535"/>
+            <a:ext cx="10515600" cy="1325563"/>
+          </a:xfrm>
+        </p:spPr>
+        <p:txBody>
+          <a:bodyPr>
+            <a:normAutofit/>
+          </a:bodyPr>
+          <a:lstStyle/>
+          <a:p>
+            <a:r>
+              <a:rPr lang="en-GB" sz="3600" dirty="0">
+                <a:solidFill>
+                  <a:srgbClr val="1D609D"/>
+                </a:solidFill>
+                <a:latin typeface="Calibri Light"/>
+                <a:ea typeface="Calibri"/>
+                <a:cs typeface="Calibri"/>
+              </a:rPr>
+              <a:t>Resetting changes</a:t>
+            </a:r>
+          </a:p>
+        </p:txBody>
+      </p:sp>
+      <p:sp>
+        <p:nvSpPr>
+          <p:cNvPr id="5" name="TextBox 4">
+            <a:extLst>
+              <a:ext uri="{FF2B5EF4-FFF2-40B4-BE49-F238E27FC236}">
+                <a16:creationId xmlns:a16="http://schemas.microsoft.com/office/drawing/2014/main" id="{C1BA7A40-782F-4A2A-9328-ADC0DAF9EB35}"/>
+              </a:ext>
+            </a:extLst>
+          </p:cNvPr>
+          <p:cNvSpPr txBox="1"/>
+          <p:nvPr/>
+        </p:nvSpPr>
+        <p:spPr>
+          <a:xfrm>
+            <a:off x="1041653" y="1614755"/>
+            <a:ext cx="7915275" cy="3725635"/>
+          </a:xfrm>
+          <a:prstGeom prst="rect">
+            <a:avLst/>
+          </a:prstGeom>
+          <a:noFill/>
+        </p:spPr>
+        <p:txBody>
+          <a:bodyPr wrap="square">
+            <a:spAutoFit/>
+          </a:bodyPr>
+          <a:lstStyle/>
+          <a:p>
+            <a:pPr>
+              <a:lnSpc>
+                <a:spcPct val="107000"/>
+              </a:lnSpc>
+              <a:spcAft>
+                <a:spcPts val="800"/>
+              </a:spcAft>
+            </a:pPr>
+            <a:r>
+              <a:rPr lang="en-GB" sz="2800" dirty="0">
+                <a:effectLst/>
+                <a:latin typeface="Calibri" panose="020F0502020204030204" pitchFamily="34" charset="0"/>
+                <a:ea typeface="Calibri" panose="020F0502020204030204" pitchFamily="34" charset="0"/>
+                <a:cs typeface="Arial" panose="020B0604020202020204" pitchFamily="34" charset="0"/>
+              </a:rPr>
+              <a:t>Terminal</a:t>
+            </a:r>
+          </a:p>
+          <a:p>
+            <a:pPr>
+              <a:lnSpc>
+                <a:spcPct val="107000"/>
+              </a:lnSpc>
+              <a:spcAft>
+                <a:spcPts val="800"/>
+              </a:spcAft>
+            </a:pPr>
+            <a:r>
+              <a:rPr lang="en-GB" sz="1800" dirty="0">
+                <a:solidFill>
+                  <a:srgbClr val="000000"/>
+                </a:solidFill>
+                <a:effectLst/>
+                <a:latin typeface="Consolas" panose="020B0609020204030204" pitchFamily="49" charset="0"/>
+                <a:ea typeface="Calibri" panose="020F0502020204030204" pitchFamily="34" charset="0"/>
+                <a:cs typeface="Arial" panose="020B0604020202020204" pitchFamily="34" charset="0"/>
+              </a:rPr>
+              <a:t> </a:t>
+            </a:r>
+            <a:endParaRPr lang="en-GB" sz="1800" dirty="0">
+              <a:effectLst/>
+              <a:latin typeface="Calibri" panose="020F0502020204030204" pitchFamily="34" charset="0"/>
+              <a:ea typeface="Calibri" panose="020F0502020204030204" pitchFamily="34" charset="0"/>
+              <a:cs typeface="Arial" panose="020B0604020202020204" pitchFamily="34" charset="0"/>
+            </a:endParaRPr>
+          </a:p>
+          <a:p>
+            <a:pPr marL="285750" indent="-285750">
+              <a:lnSpc>
+                <a:spcPct val="107000"/>
+              </a:lnSpc>
+              <a:spcAft>
+                <a:spcPts val="800"/>
+              </a:spcAft>
+              <a:buFont typeface="Arial" panose="020B0604020202020204" pitchFamily="34" charset="0"/>
+              <a:buChar char="•"/>
+            </a:pPr>
+            <a:r>
+              <a:rPr lang="en-GB" sz="1800" dirty="0">
+                <a:effectLst/>
+                <a:latin typeface="Calibri" panose="020F0502020204030204" pitchFamily="34" charset="0"/>
+                <a:ea typeface="Calibri" panose="020F0502020204030204" pitchFamily="34" charset="0"/>
+                <a:cs typeface="Arial" panose="020B0604020202020204" pitchFamily="34" charset="0"/>
+              </a:rPr>
+              <a:t>To reset the staging </a:t>
+            </a:r>
+            <a:r>
+              <a:rPr lang="en-GB" dirty="0">
+                <a:latin typeface="Calibri" panose="020F0502020204030204" pitchFamily="34" charset="0"/>
+                <a:ea typeface="Calibri" panose="020F0502020204030204" pitchFamily="34" charset="0"/>
+                <a:cs typeface="Arial" panose="020B0604020202020204" pitchFamily="34" charset="0"/>
+              </a:rPr>
+              <a:t>area (also to undo commits) </a:t>
+            </a:r>
+          </a:p>
+          <a:p>
+            <a:pPr>
+              <a:lnSpc>
+                <a:spcPct val="107000"/>
+              </a:lnSpc>
+              <a:spcAft>
+                <a:spcPts val="800"/>
+              </a:spcAft>
+            </a:pPr>
+            <a:r>
+              <a:rPr lang="en-GB" sz="1800" dirty="0">
+                <a:effectLst/>
+                <a:latin typeface="Calibri" panose="020F0502020204030204" pitchFamily="34" charset="0"/>
+                <a:ea typeface="Calibri" panose="020F0502020204030204" pitchFamily="34" charset="0"/>
+                <a:cs typeface="Arial" panose="020B0604020202020204" pitchFamily="34" charset="0"/>
+              </a:rPr>
+              <a:t>	</a:t>
+            </a:r>
+            <a:r>
+              <a:rPr lang="en-GB" sz="1800" dirty="0">
+                <a:solidFill>
+                  <a:srgbClr val="000000"/>
+                </a:solidFill>
+                <a:effectLst/>
+                <a:latin typeface="Consolas" panose="020B0609020204030204" pitchFamily="49" charset="0"/>
+                <a:ea typeface="Calibri" panose="020F0502020204030204" pitchFamily="34" charset="0"/>
+                <a:cs typeface="Arial" panose="020B0604020202020204" pitchFamily="34" charset="0"/>
+              </a:rPr>
+              <a:t>git reset </a:t>
+            </a:r>
+            <a:endParaRPr lang="en-GB" sz="1800" dirty="0">
+              <a:effectLst/>
+              <a:latin typeface="Calibri" panose="020F0502020204030204" pitchFamily="34" charset="0"/>
+              <a:ea typeface="Calibri" panose="020F0502020204030204" pitchFamily="34" charset="0"/>
+              <a:cs typeface="Arial" panose="020B0604020202020204" pitchFamily="34" charset="0"/>
+            </a:endParaRPr>
+          </a:p>
+          <a:p>
+            <a:pPr marL="285750" indent="-285750">
+              <a:lnSpc>
+                <a:spcPct val="107000"/>
+              </a:lnSpc>
+              <a:spcAft>
+                <a:spcPts val="800"/>
+              </a:spcAft>
+              <a:buFont typeface="Arial" panose="020B0604020202020204" pitchFamily="34" charset="0"/>
+              <a:buChar char="•"/>
+            </a:pPr>
+            <a:r>
+              <a:rPr lang="en-GB" sz="1800" dirty="0">
+                <a:effectLst/>
+                <a:latin typeface="Calibri" panose="020F0502020204030204" pitchFamily="34" charset="0"/>
+                <a:ea typeface="Calibri" panose="020F0502020204030204" pitchFamily="34" charset="0"/>
+                <a:cs typeface="Arial" panose="020B0604020202020204" pitchFamily="34" charset="0"/>
+              </a:rPr>
+              <a:t>To amend the previous commit by adding new staged changes</a:t>
+            </a:r>
+            <a:r>
+              <a:rPr lang="en-GB" dirty="0">
+                <a:latin typeface="Calibri" panose="020F0502020204030204" pitchFamily="34" charset="0"/>
+                <a:ea typeface="Calibri" panose="020F0502020204030204" pitchFamily="34" charset="0"/>
+                <a:cs typeface="Arial" panose="020B0604020202020204" pitchFamily="34" charset="0"/>
+              </a:rPr>
+              <a:t> </a:t>
+            </a:r>
+          </a:p>
+          <a:p>
+            <a:pPr>
+              <a:lnSpc>
+                <a:spcPct val="107000"/>
+              </a:lnSpc>
+              <a:spcAft>
+                <a:spcPts val="800"/>
+              </a:spcAft>
+            </a:pPr>
+            <a:r>
+              <a:rPr lang="en-GB" sz="1800" dirty="0">
+                <a:effectLst/>
+                <a:latin typeface="Calibri" panose="020F0502020204030204" pitchFamily="34" charset="0"/>
+                <a:ea typeface="Calibri" panose="020F0502020204030204" pitchFamily="34" charset="0"/>
+                <a:cs typeface="Arial" panose="020B0604020202020204" pitchFamily="34" charset="0"/>
+              </a:rPr>
+              <a:t>	</a:t>
+            </a:r>
+            <a:r>
+              <a:rPr lang="en-GB" sz="1800" dirty="0">
+                <a:solidFill>
+                  <a:srgbClr val="000000"/>
+                </a:solidFill>
+                <a:effectLst/>
+                <a:latin typeface="Consolas" panose="020B0609020204030204" pitchFamily="49" charset="0"/>
+                <a:ea typeface="Calibri" panose="020F0502020204030204" pitchFamily="34" charset="0"/>
+                <a:cs typeface="Arial" panose="020B0604020202020204" pitchFamily="34" charset="0"/>
+              </a:rPr>
+              <a:t>git commit --amend </a:t>
+            </a:r>
+            <a:endParaRPr lang="en-GB" sz="1800" dirty="0">
+              <a:effectLst/>
+              <a:latin typeface="Calibri" panose="020F0502020204030204" pitchFamily="34" charset="0"/>
+              <a:ea typeface="Calibri" panose="020F0502020204030204" pitchFamily="34" charset="0"/>
+              <a:cs typeface="Arial" panose="020B0604020202020204" pitchFamily="34" charset="0"/>
+            </a:endParaRPr>
+          </a:p>
+          <a:p>
+            <a:pPr marL="285750" indent="-285750">
+              <a:lnSpc>
+                <a:spcPct val="107000"/>
+              </a:lnSpc>
+              <a:spcAft>
+                <a:spcPts val="800"/>
+              </a:spcAft>
+              <a:buFont typeface="Arial" panose="020B0604020202020204" pitchFamily="34" charset="0"/>
+              <a:buChar char="•"/>
+            </a:pPr>
+            <a:r>
+              <a:rPr lang="en-GB" sz="1800" dirty="0">
+                <a:effectLst/>
+                <a:latin typeface="Calibri" panose="020F0502020204030204" pitchFamily="34" charset="0"/>
+                <a:ea typeface="Calibri" panose="020F0502020204030204" pitchFamily="34" charset="0"/>
+                <a:cs typeface="Arial" panose="020B0604020202020204" pitchFamily="34" charset="0"/>
+              </a:rPr>
+              <a:t>To make a commit that reverses a previous commit</a:t>
+            </a:r>
+            <a:endParaRPr lang="en-GB" dirty="0">
+              <a:latin typeface="Calibri" panose="020F0502020204030204" pitchFamily="34" charset="0"/>
+              <a:ea typeface="Calibri" panose="020F0502020204030204" pitchFamily="34" charset="0"/>
+              <a:cs typeface="Arial" panose="020B0604020202020204" pitchFamily="34" charset="0"/>
+            </a:endParaRPr>
+          </a:p>
+          <a:p>
+            <a:pPr>
+              <a:lnSpc>
+                <a:spcPct val="107000"/>
+              </a:lnSpc>
+              <a:spcAft>
+                <a:spcPts val="800"/>
+              </a:spcAft>
+            </a:pPr>
+            <a:r>
+              <a:rPr lang="en-GB" sz="1800" dirty="0">
+                <a:effectLst/>
+                <a:latin typeface="Calibri" panose="020F0502020204030204" pitchFamily="34" charset="0"/>
+                <a:ea typeface="Calibri" panose="020F0502020204030204" pitchFamily="34" charset="0"/>
+                <a:cs typeface="Arial" panose="020B0604020202020204" pitchFamily="34" charset="0"/>
+              </a:rPr>
+              <a:t>	</a:t>
+            </a:r>
+            <a:r>
+              <a:rPr lang="en-GB" sz="1800" dirty="0">
+                <a:solidFill>
+                  <a:srgbClr val="000000"/>
+                </a:solidFill>
+                <a:effectLst/>
+                <a:latin typeface="Consolas" panose="020B0609020204030204" pitchFamily="49" charset="0"/>
+                <a:ea typeface="Calibri" panose="020F0502020204030204" pitchFamily="34" charset="0"/>
+                <a:cs typeface="Arial" panose="020B0604020202020204" pitchFamily="34" charset="0"/>
+              </a:rPr>
+              <a:t>git revert </a:t>
+            </a:r>
+            <a:endParaRPr lang="en-GB" sz="1800" dirty="0">
+              <a:effectLst/>
+              <a:latin typeface="Calibri" panose="020F0502020204030204" pitchFamily="34" charset="0"/>
+              <a:ea typeface="Calibri" panose="020F0502020204030204" pitchFamily="34" charset="0"/>
+              <a:cs typeface="Arial" panose="020B0604020202020204" pitchFamily="34" charset="0"/>
+            </a:endParaRPr>
+          </a:p>
+          <a:p>
+            <a:pPr>
+              <a:spcAft>
+                <a:spcPts val="800"/>
+              </a:spcAft>
+            </a:pPr>
+            <a:r>
+              <a:rPr lang="en-GB" sz="1800" dirty="0">
+                <a:effectLst/>
+                <a:latin typeface="Calibri" panose="020F0502020204030204" pitchFamily="34" charset="0"/>
+                <a:ea typeface="Calibri" panose="020F0502020204030204" pitchFamily="34" charset="0"/>
+                <a:cs typeface="Arial" panose="020B0604020202020204" pitchFamily="34" charset="0"/>
+              </a:rPr>
+              <a:t> </a:t>
+            </a:r>
+          </a:p>
+        </p:txBody>
+      </p:sp>
+    </p:spTree>
+    <p:extLst>
+      <p:ext uri="{BB962C8B-B14F-4D97-AF65-F5344CB8AC3E}">
+        <p14:creationId xmlns:p14="http://schemas.microsoft.com/office/powerpoint/2010/main" val="3433449061"/>
+      </p:ext>
+    </p:extLst>
+  </p:cSld>
+  <p:clrMapOvr>
+    <a:masterClrMapping/>
+  </p:clrMapOvr>
+</p:sld>
+</file>
+
+<file path=ppt/slides/slide27.xml><?xml version="1.0" encoding="utf-8"?>
+<p:sld xmlns:a="http://schemas.openxmlformats.org/drawingml/2006/main" xmlns:r="http://schemas.openxmlformats.org/officeDocument/2006/relationships" xmlns:p="http://schemas.openxmlformats.org/presentationml/2006/main">
+  <p:cSld>
+    <p:spTree>
+      <p:nvGrpSpPr>
+        <p:cNvPr id="1" name=""/>
+        <p:cNvGrpSpPr/>
+        <p:nvPr/>
+      </p:nvGrpSpPr>
+      <p:grpSpPr>
+        <a:xfrm>
+          <a:off x="0" y="0"/>
+          <a:ext cx="0" cy="0"/>
+          <a:chOff x="0" y="0"/>
+          <a:chExt cx="0" cy="0"/>
+        </a:xfrm>
+      </p:grpSpPr>
+      <p:sp>
+        <p:nvSpPr>
+          <p:cNvPr id="2" name="Title 1">
+            <a:extLst>
+              <a:ext uri="{FF2B5EF4-FFF2-40B4-BE49-F238E27FC236}">
+                <a16:creationId xmlns:a16="http://schemas.microsoft.com/office/drawing/2014/main" id="{492167A0-D444-8401-311B-78A2CECCCCA1}"/>
+              </a:ext>
+            </a:extLst>
+          </p:cNvPr>
+          <p:cNvSpPr>
+            <a:spLocks noGrp="1"/>
+          </p:cNvSpPr>
+          <p:nvPr>
+            <p:ph type="title"/>
+          </p:nvPr>
+        </p:nvSpPr>
+        <p:spPr>
+          <a:xfrm>
+            <a:off x="936777" y="149535"/>
+            <a:ext cx="10515600" cy="1325563"/>
+          </a:xfrm>
+        </p:spPr>
+        <p:txBody>
+          <a:bodyPr>
+            <a:normAutofit/>
+          </a:bodyPr>
+          <a:lstStyle/>
+          <a:p>
+            <a:r>
+              <a:rPr lang="en-GB" sz="3600" dirty="0">
+                <a:solidFill>
+                  <a:srgbClr val="1D609D"/>
+                </a:solidFill>
+                <a:latin typeface="Calibri Light"/>
+                <a:ea typeface="Calibri"/>
+                <a:cs typeface="Calibri"/>
+              </a:rPr>
+              <a:t>Merge conflicts</a:t>
+            </a:r>
+          </a:p>
+        </p:txBody>
+      </p:sp>
+      <p:sp>
+        <p:nvSpPr>
+          <p:cNvPr id="5" name="TextBox 4">
+            <a:extLst>
+              <a:ext uri="{FF2B5EF4-FFF2-40B4-BE49-F238E27FC236}">
+                <a16:creationId xmlns:a16="http://schemas.microsoft.com/office/drawing/2014/main" id="{C1BA7A40-782F-4A2A-9328-ADC0DAF9EB35}"/>
+              </a:ext>
+            </a:extLst>
+          </p:cNvPr>
+          <p:cNvSpPr txBox="1"/>
+          <p:nvPr/>
+        </p:nvSpPr>
+        <p:spPr>
+          <a:xfrm>
+            <a:off x="1089890" y="3281218"/>
+            <a:ext cx="9522692" cy="2685607"/>
+          </a:xfrm>
+          <a:prstGeom prst="rect">
+            <a:avLst/>
+          </a:prstGeom>
+          <a:noFill/>
+        </p:spPr>
+        <p:txBody>
+          <a:bodyPr wrap="square">
+            <a:spAutoFit/>
+          </a:bodyPr>
+          <a:lstStyle/>
+          <a:p>
+            <a:pPr marL="285750" indent="-285750">
+              <a:lnSpc>
+                <a:spcPct val="107000"/>
+              </a:lnSpc>
+              <a:spcAft>
+                <a:spcPts val="800"/>
+              </a:spcAft>
+              <a:buFont typeface="Arial" panose="020B0604020202020204" pitchFamily="34" charset="0"/>
+              <a:buChar char="•"/>
+            </a:pPr>
+            <a:r>
+              <a:rPr lang="en-GB" sz="1800" dirty="0">
+                <a:effectLst/>
+                <a:latin typeface="Calibri" panose="020F0502020204030204" pitchFamily="34" charset="0"/>
+                <a:ea typeface="Calibri" panose="020F0502020204030204" pitchFamily="34" charset="0"/>
+                <a:cs typeface="Arial" panose="020B0604020202020204" pitchFamily="34" charset="0"/>
+              </a:rPr>
+              <a:t>The code between &lt;&lt;&lt;&lt;&lt;&lt;&lt; and ======= is the current branch </a:t>
+            </a:r>
+          </a:p>
+          <a:p>
+            <a:pPr marL="285750" indent="-285750">
+              <a:lnSpc>
+                <a:spcPct val="107000"/>
+              </a:lnSpc>
+              <a:spcAft>
+                <a:spcPts val="800"/>
+              </a:spcAft>
+              <a:buFont typeface="Arial" panose="020B0604020202020204" pitchFamily="34" charset="0"/>
+              <a:buChar char="•"/>
+            </a:pPr>
+            <a:r>
+              <a:rPr lang="en-GB" sz="1800" dirty="0">
+                <a:effectLst/>
+                <a:latin typeface="Calibri" panose="020F0502020204030204" pitchFamily="34" charset="0"/>
+                <a:ea typeface="Calibri" panose="020F0502020204030204" pitchFamily="34" charset="0"/>
+                <a:cs typeface="Arial" panose="020B0604020202020204" pitchFamily="34" charset="0"/>
+              </a:rPr>
+              <a:t>The code between ======= and &gt;&gt;&gt;&gt;&gt;&gt;&gt; is the code in the branch that is being merged in </a:t>
+            </a:r>
+          </a:p>
+          <a:p>
+            <a:pPr>
+              <a:spcAft>
+                <a:spcPts val="800"/>
+              </a:spcAft>
+            </a:pPr>
+            <a:endParaRPr lang="en-GB" sz="1800" dirty="0">
+              <a:effectLst/>
+              <a:latin typeface="Calibri" panose="020F0502020204030204" pitchFamily="34" charset="0"/>
+              <a:ea typeface="Calibri" panose="020F0502020204030204" pitchFamily="34" charset="0"/>
+              <a:cs typeface="Arial" panose="020B0604020202020204" pitchFamily="34" charset="0"/>
+            </a:endParaRPr>
+          </a:p>
+          <a:p>
+            <a:pPr marL="285750" indent="-285750">
+              <a:spcAft>
+                <a:spcPts val="800"/>
+              </a:spcAft>
+              <a:buFont typeface="Arial" panose="020B0604020202020204" pitchFamily="34" charset="0"/>
+              <a:buChar char="•"/>
+            </a:pPr>
+            <a:r>
+              <a:rPr lang="en-GB" dirty="0">
+                <a:latin typeface="Calibri" panose="020F0502020204030204" pitchFamily="34" charset="0"/>
+                <a:ea typeface="Calibri" panose="020F0502020204030204" pitchFamily="34" charset="0"/>
+                <a:cs typeface="Arial" panose="020B0604020202020204" pitchFamily="34" charset="0"/>
+              </a:rPr>
+              <a:t>To resolve:</a:t>
+            </a:r>
+          </a:p>
+          <a:p>
+            <a:pPr marL="742950" lvl="1" indent="-285750">
+              <a:spcAft>
+                <a:spcPts val="800"/>
+              </a:spcAft>
+              <a:buFont typeface="Arial" panose="020B0604020202020204" pitchFamily="34" charset="0"/>
+              <a:buChar char="•"/>
+            </a:pPr>
+            <a:r>
+              <a:rPr lang="en-GB" dirty="0">
+                <a:effectLst/>
+                <a:latin typeface="Calibri" panose="020F0502020204030204" pitchFamily="34" charset="0"/>
+                <a:ea typeface="Calibri" panose="020F0502020204030204" pitchFamily="34" charset="0"/>
+                <a:cs typeface="Arial" panose="020B0604020202020204" pitchFamily="34" charset="0"/>
+              </a:rPr>
+              <a:t>Edit the code to contain the final version </a:t>
+            </a:r>
+            <a:endParaRPr lang="en-GB" dirty="0">
+              <a:latin typeface="Calibri" panose="020F0502020204030204" pitchFamily="34" charset="0"/>
+              <a:ea typeface="Calibri" panose="020F0502020204030204" pitchFamily="34" charset="0"/>
+              <a:cs typeface="Arial" panose="020B0604020202020204" pitchFamily="34" charset="0"/>
+            </a:endParaRPr>
+          </a:p>
+          <a:p>
+            <a:pPr marL="742950" lvl="1" indent="-285750">
+              <a:spcAft>
+                <a:spcPts val="800"/>
+              </a:spcAft>
+              <a:buFont typeface="Arial" panose="020B0604020202020204" pitchFamily="34" charset="0"/>
+              <a:buChar char="•"/>
+            </a:pPr>
+            <a:r>
+              <a:rPr lang="en-GB" dirty="0">
+                <a:effectLst/>
+                <a:latin typeface="Calibri" panose="020F0502020204030204" pitchFamily="34" charset="0"/>
+                <a:ea typeface="Calibri" panose="020F0502020204030204" pitchFamily="34" charset="0"/>
+                <a:cs typeface="Arial" panose="020B0604020202020204" pitchFamily="34" charset="0"/>
+              </a:rPr>
+              <a:t>Delete the conflict markers (&lt;&lt;&lt;&lt;&lt;&lt;&lt;, =======, &gt;&gt;&gt;&gt;&gt;&gt;&gt;)</a:t>
+            </a:r>
+          </a:p>
+          <a:p>
+            <a:pPr marL="742950" lvl="1" indent="-285750">
+              <a:spcAft>
+                <a:spcPts val="800"/>
+              </a:spcAft>
+              <a:buFont typeface="Arial" panose="020B0604020202020204" pitchFamily="34" charset="0"/>
+              <a:buChar char="•"/>
+            </a:pPr>
+            <a:r>
+              <a:rPr lang="en-GB" dirty="0">
+                <a:latin typeface="Calibri" panose="020F0502020204030204" pitchFamily="34" charset="0"/>
+                <a:ea typeface="Calibri" panose="020F0502020204030204" pitchFamily="34" charset="0"/>
+                <a:cs typeface="Arial" panose="020B0604020202020204" pitchFamily="34" charset="0"/>
+              </a:rPr>
+              <a:t>Stage the file and commit</a:t>
+            </a:r>
+            <a:r>
+              <a:rPr lang="en-GB" dirty="0">
+                <a:effectLst/>
+                <a:latin typeface="Calibri" panose="020F0502020204030204" pitchFamily="34" charset="0"/>
+                <a:ea typeface="Calibri" panose="020F0502020204030204" pitchFamily="34" charset="0"/>
+                <a:cs typeface="Arial" panose="020B0604020202020204" pitchFamily="34" charset="0"/>
+              </a:rPr>
+              <a:t> </a:t>
+            </a:r>
+          </a:p>
+        </p:txBody>
+      </p:sp>
+      <p:pic>
+        <p:nvPicPr>
+          <p:cNvPr id="3" name="Picture 2" descr="A screenshot of a computer code&#10;&#10;Description automatically generated">
+            <a:extLst>
+              <a:ext uri="{FF2B5EF4-FFF2-40B4-BE49-F238E27FC236}">
+                <a16:creationId xmlns:a16="http://schemas.microsoft.com/office/drawing/2014/main" id="{EA64EAB3-B451-29AA-D2EA-98CF426A9AB8}"/>
+              </a:ext>
+            </a:extLst>
+          </p:cNvPr>
+          <p:cNvPicPr>
+            <a:picLocks noChangeAspect="1"/>
+          </p:cNvPicPr>
+          <p:nvPr/>
+        </p:nvPicPr>
+        <p:blipFill>
+          <a:blip r:embed="rId3">
+            <a:extLst>
+              <a:ext uri="{28A0092B-C50C-407E-A947-70E740481C1C}">
+                <a14:useLocalDpi xmlns:a14="http://schemas.microsoft.com/office/drawing/2010/main" val="0"/>
+              </a:ext>
+            </a:extLst>
+          </a:blip>
+          <a:stretch>
+            <a:fillRect/>
+          </a:stretch>
+        </p:blipFill>
+        <p:spPr>
+          <a:xfrm>
+            <a:off x="1154545" y="1567462"/>
+            <a:ext cx="4161184" cy="1397809"/>
+          </a:xfrm>
+          <a:prstGeom prst="rect">
+            <a:avLst/>
+          </a:prstGeom>
+          <a:ln>
+            <a:solidFill>
+              <a:schemeClr val="tx1"/>
+            </a:solidFill>
+          </a:ln>
+        </p:spPr>
+      </p:pic>
+    </p:spTree>
+    <p:extLst>
+      <p:ext uri="{BB962C8B-B14F-4D97-AF65-F5344CB8AC3E}">
+        <p14:creationId xmlns:p14="http://schemas.microsoft.com/office/powerpoint/2010/main" val="617684817"/>
+      </p:ext>
+    </p:extLst>
+  </p:cSld>
+  <p:clrMapOvr>
+    <a:masterClrMapping/>
+  </p:clrMapOvr>
+</p:sld>
+</file>
+
+<file path=ppt/slides/slide28.xml><?xml version="1.0" encoding="utf-8"?>
+<p:sld xmlns:a="http://schemas.openxmlformats.org/drawingml/2006/main" xmlns:r="http://schemas.openxmlformats.org/officeDocument/2006/relationships" xmlns:p="http://schemas.openxmlformats.org/presentationml/2006/main">
+  <p:cSld>
+    <p:spTree>
+      <p:nvGrpSpPr>
+        <p:cNvPr id="1" name=""/>
+        <p:cNvGrpSpPr/>
+        <p:nvPr/>
+      </p:nvGrpSpPr>
+      <p:grpSpPr>
+        <a:xfrm>
+          <a:off x="0" y="0"/>
+          <a:ext cx="0" cy="0"/>
+          <a:chOff x="0" y="0"/>
+          <a:chExt cx="0" cy="0"/>
+        </a:xfrm>
+      </p:grpSpPr>
+      <p:sp>
+        <p:nvSpPr>
+          <p:cNvPr id="2" name="Title 1">
+            <a:extLst>
+              <a:ext uri="{FF2B5EF4-FFF2-40B4-BE49-F238E27FC236}">
+                <a16:creationId xmlns:a16="http://schemas.microsoft.com/office/drawing/2014/main" id="{492167A0-D444-8401-311B-78A2CECCCCA1}"/>
+              </a:ext>
+            </a:extLst>
+          </p:cNvPr>
+          <p:cNvSpPr>
+            <a:spLocks noGrp="1"/>
+          </p:cNvSpPr>
+          <p:nvPr>
+            <p:ph type="title"/>
+          </p:nvPr>
+        </p:nvSpPr>
+        <p:spPr>
+          <a:xfrm>
+            <a:off x="936777" y="149535"/>
+            <a:ext cx="10515600" cy="1325563"/>
+          </a:xfrm>
+        </p:spPr>
+        <p:txBody>
+          <a:bodyPr>
+            <a:normAutofit/>
+          </a:bodyPr>
+          <a:lstStyle/>
+          <a:p>
+            <a:r>
+              <a:rPr lang="en-GB" sz="3600" dirty="0">
+                <a:solidFill>
+                  <a:srgbClr val="1D609D"/>
+                </a:solidFill>
+                <a:latin typeface="Calibri Light"/>
+                <a:ea typeface="Calibri"/>
+                <a:cs typeface="Calibri"/>
+              </a:rPr>
+              <a:t>Stashing changes</a:t>
+            </a:r>
+          </a:p>
+        </p:txBody>
+      </p:sp>
+      <p:sp>
+        <p:nvSpPr>
+          <p:cNvPr id="5" name="TextBox 4">
+            <a:extLst>
+              <a:ext uri="{FF2B5EF4-FFF2-40B4-BE49-F238E27FC236}">
+                <a16:creationId xmlns:a16="http://schemas.microsoft.com/office/drawing/2014/main" id="{C1BA7A40-782F-4A2A-9328-ADC0DAF9EB35}"/>
+              </a:ext>
+            </a:extLst>
+          </p:cNvPr>
+          <p:cNvSpPr txBox="1"/>
+          <p:nvPr/>
+        </p:nvSpPr>
+        <p:spPr>
+          <a:xfrm>
+            <a:off x="1041653" y="1614755"/>
+            <a:ext cx="7915275" cy="2129814"/>
+          </a:xfrm>
+          <a:prstGeom prst="rect">
+            <a:avLst/>
+          </a:prstGeom>
+          <a:noFill/>
+        </p:spPr>
+        <p:txBody>
+          <a:bodyPr wrap="square">
+            <a:spAutoFit/>
+          </a:bodyPr>
+          <a:lstStyle/>
+          <a:p>
+            <a:pPr>
+              <a:lnSpc>
+                <a:spcPct val="107000"/>
+              </a:lnSpc>
+              <a:spcAft>
+                <a:spcPts val="800"/>
+              </a:spcAft>
+            </a:pPr>
+            <a:r>
+              <a:rPr lang="en-GB" sz="2800" dirty="0">
+                <a:effectLst/>
+                <a:latin typeface="Calibri" panose="020F0502020204030204" pitchFamily="34" charset="0"/>
+                <a:ea typeface="Calibri" panose="020F0502020204030204" pitchFamily="34" charset="0"/>
+                <a:cs typeface="Arial" panose="020B0604020202020204" pitchFamily="34" charset="0"/>
+              </a:rPr>
+              <a:t>Terminal</a:t>
+            </a:r>
+          </a:p>
+          <a:p>
+            <a:pPr>
+              <a:lnSpc>
+                <a:spcPct val="107000"/>
+              </a:lnSpc>
+              <a:spcAft>
+                <a:spcPts val="800"/>
+              </a:spcAft>
+            </a:pPr>
+            <a:r>
+              <a:rPr lang="en-GB" sz="1800" dirty="0">
+                <a:solidFill>
+                  <a:srgbClr val="000000"/>
+                </a:solidFill>
+                <a:effectLst/>
+                <a:latin typeface="Consolas" panose="020B0609020204030204" pitchFamily="49" charset="0"/>
+                <a:ea typeface="Calibri" panose="020F0502020204030204" pitchFamily="34" charset="0"/>
+                <a:cs typeface="Arial" panose="020B0604020202020204" pitchFamily="34" charset="0"/>
+              </a:rPr>
+              <a:t> </a:t>
+            </a:r>
+            <a:endParaRPr lang="en-GB" sz="1800" dirty="0">
+              <a:effectLst/>
+              <a:latin typeface="Calibri" panose="020F0502020204030204" pitchFamily="34" charset="0"/>
+              <a:ea typeface="Calibri" panose="020F0502020204030204" pitchFamily="34" charset="0"/>
+              <a:cs typeface="Arial" panose="020B0604020202020204" pitchFamily="34" charset="0"/>
+            </a:endParaRPr>
+          </a:p>
+          <a:p>
+            <a:pPr marL="285750" indent="-285750">
+              <a:lnSpc>
+                <a:spcPct val="107000"/>
+              </a:lnSpc>
+              <a:spcAft>
+                <a:spcPts val="800"/>
+              </a:spcAft>
+              <a:buFont typeface="Arial" panose="020B0604020202020204" pitchFamily="34" charset="0"/>
+              <a:buChar char="•"/>
+            </a:pPr>
+            <a:r>
+              <a:rPr lang="en-GB" sz="1800" dirty="0">
+                <a:effectLst/>
+                <a:latin typeface="Calibri" panose="020F0502020204030204" pitchFamily="34" charset="0"/>
+                <a:ea typeface="Calibri" panose="020F0502020204030204" pitchFamily="34" charset="0"/>
+                <a:cs typeface="Arial" panose="020B0604020202020204" pitchFamily="34" charset="0"/>
+              </a:rPr>
+              <a:t>To temporarily store your work without making a commit </a:t>
+            </a:r>
+            <a:endParaRPr lang="en-GB" dirty="0">
+              <a:latin typeface="Calibri" panose="020F0502020204030204" pitchFamily="34" charset="0"/>
+              <a:ea typeface="Calibri" panose="020F0502020204030204" pitchFamily="34" charset="0"/>
+              <a:cs typeface="Arial" panose="020B0604020202020204" pitchFamily="34" charset="0"/>
+            </a:endParaRPr>
+          </a:p>
+          <a:p>
+            <a:pPr>
+              <a:lnSpc>
+                <a:spcPct val="107000"/>
+              </a:lnSpc>
+              <a:spcAft>
+                <a:spcPts val="800"/>
+              </a:spcAft>
+            </a:pPr>
+            <a:r>
+              <a:rPr lang="en-GB" sz="1800" dirty="0">
+                <a:effectLst/>
+                <a:latin typeface="Calibri" panose="020F0502020204030204" pitchFamily="34" charset="0"/>
+                <a:ea typeface="Calibri" panose="020F0502020204030204" pitchFamily="34" charset="0"/>
+                <a:cs typeface="Arial" panose="020B0604020202020204" pitchFamily="34" charset="0"/>
+              </a:rPr>
+              <a:t>	</a:t>
+            </a:r>
+            <a:r>
+              <a:rPr lang="en-GB" sz="1800" dirty="0">
+                <a:solidFill>
+                  <a:srgbClr val="000000"/>
+                </a:solidFill>
+                <a:effectLst/>
+                <a:latin typeface="Consolas" panose="020B0609020204030204" pitchFamily="49" charset="0"/>
+                <a:ea typeface="Calibri" panose="020F0502020204030204" pitchFamily="34" charset="0"/>
+                <a:cs typeface="Arial" panose="020B0604020202020204" pitchFamily="34" charset="0"/>
+              </a:rPr>
+              <a:t>git </a:t>
+            </a:r>
+            <a:r>
+              <a:rPr lang="en-GB" dirty="0">
+                <a:solidFill>
+                  <a:srgbClr val="000000"/>
+                </a:solidFill>
+                <a:latin typeface="Consolas" panose="020B0609020204030204" pitchFamily="49" charset="0"/>
+                <a:ea typeface="Calibri" panose="020F0502020204030204" pitchFamily="34" charset="0"/>
+                <a:cs typeface="Arial" panose="020B0604020202020204" pitchFamily="34" charset="0"/>
+              </a:rPr>
+              <a:t>stash</a:t>
+            </a:r>
+            <a:r>
+              <a:rPr lang="en-GB" sz="1800" dirty="0">
+                <a:solidFill>
+                  <a:srgbClr val="000000"/>
+                </a:solidFill>
+                <a:effectLst/>
+                <a:latin typeface="Consolas" panose="020B0609020204030204" pitchFamily="49" charset="0"/>
+                <a:ea typeface="Calibri" panose="020F0502020204030204" pitchFamily="34" charset="0"/>
+                <a:cs typeface="Arial" panose="020B0604020202020204" pitchFamily="34" charset="0"/>
+              </a:rPr>
+              <a:t> </a:t>
+            </a:r>
+            <a:endParaRPr lang="en-GB" sz="1800" dirty="0">
+              <a:effectLst/>
+              <a:latin typeface="Calibri" panose="020F0502020204030204" pitchFamily="34" charset="0"/>
+              <a:ea typeface="Calibri" panose="020F0502020204030204" pitchFamily="34" charset="0"/>
+              <a:cs typeface="Arial" panose="020B0604020202020204" pitchFamily="34" charset="0"/>
+            </a:endParaRPr>
+          </a:p>
+          <a:p>
+            <a:pPr>
+              <a:spcAft>
+                <a:spcPts val="800"/>
+              </a:spcAft>
+            </a:pPr>
+            <a:r>
+              <a:rPr lang="en-GB" sz="1800" dirty="0">
+                <a:effectLst/>
+                <a:latin typeface="Calibri" panose="020F0502020204030204" pitchFamily="34" charset="0"/>
+                <a:ea typeface="Calibri" panose="020F0502020204030204" pitchFamily="34" charset="0"/>
+                <a:cs typeface="Arial" panose="020B0604020202020204" pitchFamily="34" charset="0"/>
+              </a:rPr>
+              <a:t> </a:t>
+            </a:r>
+          </a:p>
+        </p:txBody>
+      </p:sp>
+    </p:spTree>
+    <p:extLst>
+      <p:ext uri="{BB962C8B-B14F-4D97-AF65-F5344CB8AC3E}">
+        <p14:creationId xmlns:p14="http://schemas.microsoft.com/office/powerpoint/2010/main" val="2810443703"/>
+      </p:ext>
+    </p:extLst>
+  </p:cSld>
+  <p:clrMapOvr>
+    <a:masterClrMapping/>
+  </p:clrMapOvr>
+</p:sld>
+</file>
+
+<file path=ppt/slides/slide29.xml><?xml version="1.0" encoding="utf-8"?>
+<p:sld xmlns:a="http://schemas.openxmlformats.org/drawingml/2006/main" xmlns:r="http://schemas.openxmlformats.org/officeDocument/2006/relationships" xmlns:p="http://schemas.openxmlformats.org/presentationml/2006/main">
+  <p:cSld>
+    <p:spTree>
+      <p:nvGrpSpPr>
+        <p:cNvPr id="1" name=""/>
+        <p:cNvGrpSpPr/>
+        <p:nvPr/>
+      </p:nvGrpSpPr>
+      <p:grpSpPr>
+        <a:xfrm>
+          <a:off x="0" y="0"/>
+          <a:ext cx="0" cy="0"/>
+          <a:chOff x="0" y="0"/>
+          <a:chExt cx="0" cy="0"/>
+        </a:xfrm>
+      </p:grpSpPr>
+      <p:sp>
+        <p:nvSpPr>
+          <p:cNvPr id="2" name="Title 1">
+            <a:extLst>
+              <a:ext uri="{FF2B5EF4-FFF2-40B4-BE49-F238E27FC236}">
+                <a16:creationId xmlns:a16="http://schemas.microsoft.com/office/drawing/2014/main" id="{C0F6CC02-4AAE-443A-B57D-A83771EA38F3}"/>
+              </a:ext>
+            </a:extLst>
+          </p:cNvPr>
+          <p:cNvSpPr>
+            <a:spLocks noGrp="1"/>
+          </p:cNvSpPr>
+          <p:nvPr>
+            <p:ph type="title"/>
+          </p:nvPr>
+        </p:nvSpPr>
+        <p:spPr>
+          <a:xfrm>
+            <a:off x="838200" y="2766218"/>
+            <a:ext cx="10515600" cy="1325563"/>
+          </a:xfrm>
+        </p:spPr>
+        <p:txBody>
+          <a:bodyPr>
+            <a:normAutofit/>
+          </a:bodyPr>
+          <a:lstStyle/>
+          <a:p>
+            <a:r>
+              <a:rPr lang="en-GB" sz="6600" b="1" dirty="0">
+                <a:solidFill>
+                  <a:srgbClr val="1D609D"/>
+                </a:solidFill>
+                <a:latin typeface="Arial" panose="020B0604020202020204" pitchFamily="34" charset="0"/>
+                <a:cs typeface="Arial" panose="020B0604020202020204" pitchFamily="34" charset="0"/>
+              </a:rPr>
+              <a:t>5. Effective collaboration</a:t>
+            </a:r>
+            <a:endParaRPr lang="en-GB" sz="6600" b="1" dirty="0">
+              <a:solidFill>
+                <a:srgbClr val="1D609D"/>
+              </a:solidFill>
+            </a:endParaRPr>
+          </a:p>
+        </p:txBody>
+      </p:sp>
+    </p:spTree>
+    <p:extLst>
+      <p:ext uri="{BB962C8B-B14F-4D97-AF65-F5344CB8AC3E}">
+        <p14:creationId xmlns:p14="http://schemas.microsoft.com/office/powerpoint/2010/main" val="2085439629"/>
+      </p:ext>
+    </p:extLst>
+  </p:cSld>
+  <p:clrMapOvr>
+    <a:masterClrMapping/>
+  </p:clrMapOvr>
+</p:sld>
+</file>
+
 <file path=ppt/slides/slide3.xml><?xml version="1.0" encoding="utf-8"?>
 <p:sld xmlns:a="http://schemas.openxmlformats.org/drawingml/2006/main" xmlns:r="http://schemas.openxmlformats.org/officeDocument/2006/relationships" xmlns:p="http://schemas.openxmlformats.org/presentationml/2006/main">
   <p:cSld>
@@ -17634,6 +18768,538 @@
       </p:par>
     </p:tnLst>
   </p:timing>
+</p:sld>
+</file>
+
+<file path=ppt/slides/slide30.xml><?xml version="1.0" encoding="utf-8"?>
+<p:sld xmlns:a="http://schemas.openxmlformats.org/drawingml/2006/main" xmlns:r="http://schemas.openxmlformats.org/officeDocument/2006/relationships" xmlns:p="http://schemas.openxmlformats.org/presentationml/2006/main">
+  <p:cSld>
+    <p:spTree>
+      <p:nvGrpSpPr>
+        <p:cNvPr id="1" name=""/>
+        <p:cNvGrpSpPr/>
+        <p:nvPr/>
+      </p:nvGrpSpPr>
+      <p:grpSpPr>
+        <a:xfrm>
+          <a:off x="0" y="0"/>
+          <a:ext cx="0" cy="0"/>
+          <a:chOff x="0" y="0"/>
+          <a:chExt cx="0" cy="0"/>
+        </a:xfrm>
+      </p:grpSpPr>
+      <p:sp>
+        <p:nvSpPr>
+          <p:cNvPr id="5" name="TextBox 4">
+            <a:extLst>
+              <a:ext uri="{FF2B5EF4-FFF2-40B4-BE49-F238E27FC236}">
+                <a16:creationId xmlns:a16="http://schemas.microsoft.com/office/drawing/2014/main" id="{C1BA7A40-782F-4A2A-9328-ADC0DAF9EB35}"/>
+              </a:ext>
+            </a:extLst>
+          </p:cNvPr>
+          <p:cNvSpPr txBox="1"/>
+          <p:nvPr/>
+        </p:nvSpPr>
+        <p:spPr>
+          <a:xfrm>
+            <a:off x="1343177" y="1614756"/>
+            <a:ext cx="7915275" cy="3162019"/>
+          </a:xfrm>
+          <a:prstGeom prst="rect">
+            <a:avLst/>
+          </a:prstGeom>
+          <a:noFill/>
+        </p:spPr>
+        <p:txBody>
+          <a:bodyPr wrap="square">
+            <a:spAutoFit/>
+          </a:bodyPr>
+          <a:lstStyle/>
+          <a:p>
+            <a:pPr marL="285750" indent="-285750">
+              <a:lnSpc>
+                <a:spcPct val="107000"/>
+              </a:lnSpc>
+              <a:spcAft>
+                <a:spcPts val="800"/>
+              </a:spcAft>
+              <a:buFont typeface="Arial" panose="020B0604020202020204" pitchFamily="34" charset="0"/>
+              <a:buChar char="•"/>
+            </a:pPr>
+            <a:r>
+              <a:rPr lang="en-GB" dirty="0">
+                <a:latin typeface="Calibri" panose="020F0502020204030204" pitchFamily="34" charset="0"/>
+                <a:cs typeface="Arial" panose="020B0604020202020204" pitchFamily="34" charset="0"/>
+              </a:rPr>
+              <a:t>Make small and self-contained commits</a:t>
+            </a:r>
+          </a:p>
+          <a:p>
+            <a:pPr marL="285750" indent="-285750">
+              <a:lnSpc>
+                <a:spcPct val="107000"/>
+              </a:lnSpc>
+              <a:spcAft>
+                <a:spcPts val="800"/>
+              </a:spcAft>
+              <a:buFont typeface="Arial" panose="020B0604020202020204" pitchFamily="34" charset="0"/>
+              <a:buChar char="•"/>
+            </a:pPr>
+            <a:r>
+              <a:rPr lang="en-GB" dirty="0">
+                <a:latin typeface="Calibri" panose="020F0502020204030204" pitchFamily="34" charset="0"/>
+                <a:cs typeface="Arial" panose="020B0604020202020204" pitchFamily="34" charset="0"/>
+              </a:rPr>
+              <a:t>Clear commit messages</a:t>
+            </a:r>
+          </a:p>
+          <a:p>
+            <a:pPr marL="285750" indent="-285750">
+              <a:lnSpc>
+                <a:spcPct val="107000"/>
+              </a:lnSpc>
+              <a:spcAft>
+                <a:spcPts val="800"/>
+              </a:spcAft>
+              <a:buFont typeface="Arial" panose="020B0604020202020204" pitchFamily="34" charset="0"/>
+              <a:buChar char="•"/>
+            </a:pPr>
+            <a:r>
+              <a:rPr lang="en-GB" dirty="0">
+                <a:latin typeface="Calibri" panose="020F0502020204030204" pitchFamily="34" charset="0"/>
+                <a:cs typeface="Arial" panose="020B0604020202020204" pitchFamily="34" charset="0"/>
+              </a:rPr>
+              <a:t>Small branches and regular merges</a:t>
+            </a:r>
+          </a:p>
+          <a:p>
+            <a:pPr marL="285750" indent="-285750">
+              <a:lnSpc>
+                <a:spcPct val="107000"/>
+              </a:lnSpc>
+              <a:spcAft>
+                <a:spcPts val="800"/>
+              </a:spcAft>
+              <a:buFont typeface="Arial" panose="020B0604020202020204" pitchFamily="34" charset="0"/>
+              <a:buChar char="•"/>
+            </a:pPr>
+            <a:r>
+              <a:rPr lang="en-GB" dirty="0">
+                <a:latin typeface="Calibri" panose="020F0502020204030204" pitchFamily="34" charset="0"/>
+                <a:cs typeface="Arial" panose="020B0604020202020204" pitchFamily="34" charset="0"/>
+              </a:rPr>
+              <a:t>Pull request descriptions</a:t>
+            </a:r>
+          </a:p>
+          <a:p>
+            <a:pPr marL="285750" indent="-285750">
+              <a:lnSpc>
+                <a:spcPct val="107000"/>
+              </a:lnSpc>
+              <a:spcAft>
+                <a:spcPts val="800"/>
+              </a:spcAft>
+              <a:buFont typeface="Arial" panose="020B0604020202020204" pitchFamily="34" charset="0"/>
+              <a:buChar char="•"/>
+            </a:pPr>
+            <a:r>
+              <a:rPr lang="en-GB" dirty="0">
+                <a:latin typeface="Calibri" panose="020F0502020204030204" pitchFamily="34" charset="0"/>
+                <a:cs typeface="Arial" panose="020B0604020202020204" pitchFamily="34" charset="0"/>
+              </a:rPr>
+              <a:t>Branch protection rules</a:t>
+            </a:r>
+          </a:p>
+          <a:p>
+            <a:pPr marL="285750" indent="-285750">
+              <a:lnSpc>
+                <a:spcPct val="107000"/>
+              </a:lnSpc>
+              <a:spcAft>
+                <a:spcPts val="800"/>
+              </a:spcAft>
+              <a:buFont typeface="Arial" panose="020B0604020202020204" pitchFamily="34" charset="0"/>
+              <a:buChar char="•"/>
+            </a:pPr>
+            <a:r>
+              <a:rPr lang="en-GB" dirty="0">
+                <a:latin typeface="Calibri" panose="020F0502020204030204" pitchFamily="34" charset="0"/>
+                <a:cs typeface="Arial" panose="020B0604020202020204" pitchFamily="34" charset="0"/>
+              </a:rPr>
+              <a:t>Delete merged branches </a:t>
+            </a:r>
+          </a:p>
+          <a:p>
+            <a:pPr marL="285750" indent="-285750">
+              <a:lnSpc>
+                <a:spcPct val="107000"/>
+              </a:lnSpc>
+              <a:spcAft>
+                <a:spcPts val="800"/>
+              </a:spcAft>
+              <a:buFont typeface="Arial" panose="020B0604020202020204" pitchFamily="34" charset="0"/>
+              <a:buChar char="•"/>
+            </a:pPr>
+            <a:r>
+              <a:rPr lang="en-GB" dirty="0">
+                <a:latin typeface="Calibri" panose="020F0502020204030204" pitchFamily="34" charset="0"/>
+                <a:cs typeface="Arial" panose="020B0604020202020204" pitchFamily="34" charset="0"/>
+              </a:rPr>
+              <a:t>Document your repository</a:t>
+            </a:r>
+          </a:p>
+          <a:p>
+            <a:pPr>
+              <a:spcAft>
+                <a:spcPts val="800"/>
+              </a:spcAft>
+            </a:pPr>
+            <a:r>
+              <a:rPr lang="en-GB" sz="1800" dirty="0">
+                <a:effectLst/>
+                <a:latin typeface="Calibri" panose="020F0502020204030204" pitchFamily="34" charset="0"/>
+                <a:ea typeface="Calibri" panose="020F0502020204030204" pitchFamily="34" charset="0"/>
+                <a:cs typeface="Arial" panose="020B0604020202020204" pitchFamily="34" charset="0"/>
+              </a:rPr>
+              <a:t> </a:t>
+            </a:r>
+          </a:p>
+        </p:txBody>
+      </p:sp>
+      <p:sp>
+        <p:nvSpPr>
+          <p:cNvPr id="6" name="Title 1">
+            <a:extLst>
+              <a:ext uri="{FF2B5EF4-FFF2-40B4-BE49-F238E27FC236}">
+                <a16:creationId xmlns:a16="http://schemas.microsoft.com/office/drawing/2014/main" id="{2F378F90-4097-E60B-6218-DD99D4A1D5AE}"/>
+              </a:ext>
+            </a:extLst>
+          </p:cNvPr>
+          <p:cNvSpPr>
+            <a:spLocks noGrp="1"/>
+          </p:cNvSpPr>
+          <p:nvPr>
+            <p:ph type="title"/>
+          </p:nvPr>
+        </p:nvSpPr>
+        <p:spPr>
+          <a:xfrm>
+            <a:off x="936777" y="149535"/>
+            <a:ext cx="10515600" cy="1325563"/>
+          </a:xfrm>
+        </p:spPr>
+        <p:txBody>
+          <a:bodyPr>
+            <a:normAutofit/>
+          </a:bodyPr>
+          <a:lstStyle/>
+          <a:p>
+            <a:r>
+              <a:rPr lang="en-GB" sz="3600" dirty="0">
+                <a:solidFill>
+                  <a:srgbClr val="1D609D"/>
+                </a:solidFill>
+                <a:latin typeface="Calibri Light"/>
+                <a:ea typeface="Calibri"/>
+                <a:cs typeface="Calibri"/>
+              </a:rPr>
+              <a:t>Good practice</a:t>
+            </a:r>
+          </a:p>
+        </p:txBody>
+      </p:sp>
+    </p:spTree>
+    <p:extLst>
+      <p:ext uri="{BB962C8B-B14F-4D97-AF65-F5344CB8AC3E}">
+        <p14:creationId xmlns:p14="http://schemas.microsoft.com/office/powerpoint/2010/main" val="1835058537"/>
+      </p:ext>
+    </p:extLst>
+  </p:cSld>
+  <p:clrMapOvr>
+    <a:masterClrMapping/>
+  </p:clrMapOvr>
+</p:sld>
+</file>
+
+<file path=ppt/slides/slide31.xml><?xml version="1.0" encoding="utf-8"?>
+<p:sld xmlns:a="http://schemas.openxmlformats.org/drawingml/2006/main" xmlns:r="http://schemas.openxmlformats.org/officeDocument/2006/relationships" xmlns:p="http://schemas.openxmlformats.org/presentationml/2006/main">
+  <p:cSld>
+    <p:spTree>
+      <p:nvGrpSpPr>
+        <p:cNvPr id="1" name=""/>
+        <p:cNvGrpSpPr/>
+        <p:nvPr/>
+      </p:nvGrpSpPr>
+      <p:grpSpPr>
+        <a:xfrm>
+          <a:off x="0" y="0"/>
+          <a:ext cx="0" cy="0"/>
+          <a:chOff x="0" y="0"/>
+          <a:chExt cx="0" cy="0"/>
+        </a:xfrm>
+      </p:grpSpPr>
+      <p:sp>
+        <p:nvSpPr>
+          <p:cNvPr id="2" name="Title 1">
+            <a:extLst>
+              <a:ext uri="{FF2B5EF4-FFF2-40B4-BE49-F238E27FC236}">
+                <a16:creationId xmlns:a16="http://schemas.microsoft.com/office/drawing/2014/main" id="{C0F6CC02-4AAE-443A-B57D-A83771EA38F3}"/>
+              </a:ext>
+            </a:extLst>
+          </p:cNvPr>
+          <p:cNvSpPr>
+            <a:spLocks noGrp="1"/>
+          </p:cNvSpPr>
+          <p:nvPr>
+            <p:ph type="title"/>
+          </p:nvPr>
+        </p:nvSpPr>
+        <p:spPr>
+          <a:xfrm>
+            <a:off x="838200" y="2766218"/>
+            <a:ext cx="10836564" cy="1325563"/>
+          </a:xfrm>
+        </p:spPr>
+        <p:txBody>
+          <a:bodyPr>
+            <a:noAutofit/>
+          </a:bodyPr>
+          <a:lstStyle/>
+          <a:p>
+            <a:r>
+              <a:rPr lang="en-GB" sz="6600" b="1" dirty="0">
+                <a:solidFill>
+                  <a:srgbClr val="1D609D"/>
+                </a:solidFill>
+                <a:latin typeface="Arial" panose="020B0604020202020204" pitchFamily="34" charset="0"/>
+                <a:cs typeface="Arial" panose="020B0604020202020204" pitchFamily="34" charset="0"/>
+              </a:rPr>
+              <a:t>6. Security considerations</a:t>
+            </a:r>
+            <a:endParaRPr lang="en-GB" sz="6600" b="1" dirty="0">
+              <a:solidFill>
+                <a:srgbClr val="1D609D"/>
+              </a:solidFill>
+            </a:endParaRPr>
+          </a:p>
+        </p:txBody>
+      </p:sp>
+    </p:spTree>
+    <p:extLst>
+      <p:ext uri="{BB962C8B-B14F-4D97-AF65-F5344CB8AC3E}">
+        <p14:creationId xmlns:p14="http://schemas.microsoft.com/office/powerpoint/2010/main" val="1225037651"/>
+      </p:ext>
+    </p:extLst>
+  </p:cSld>
+  <p:clrMapOvr>
+    <a:masterClrMapping/>
+  </p:clrMapOvr>
+</p:sld>
+</file>
+
+<file path=ppt/slides/slide32.xml><?xml version="1.0" encoding="utf-8"?>
+<p:sld xmlns:a="http://schemas.openxmlformats.org/drawingml/2006/main" xmlns:r="http://schemas.openxmlformats.org/officeDocument/2006/relationships" xmlns:p="http://schemas.openxmlformats.org/presentationml/2006/main">
+  <p:cSld>
+    <p:spTree>
+      <p:nvGrpSpPr>
+        <p:cNvPr id="1" name=""/>
+        <p:cNvGrpSpPr/>
+        <p:nvPr/>
+      </p:nvGrpSpPr>
+      <p:grpSpPr>
+        <a:xfrm>
+          <a:off x="0" y="0"/>
+          <a:ext cx="0" cy="0"/>
+          <a:chOff x="0" y="0"/>
+          <a:chExt cx="0" cy="0"/>
+        </a:xfrm>
+      </p:grpSpPr>
+      <p:sp>
+        <p:nvSpPr>
+          <p:cNvPr id="5" name="TextBox 4">
+            <a:extLst>
+              <a:ext uri="{FF2B5EF4-FFF2-40B4-BE49-F238E27FC236}">
+                <a16:creationId xmlns:a16="http://schemas.microsoft.com/office/drawing/2014/main" id="{C1BA7A40-782F-4A2A-9328-ADC0DAF9EB35}"/>
+              </a:ext>
+            </a:extLst>
+          </p:cNvPr>
+          <p:cNvSpPr txBox="1"/>
+          <p:nvPr/>
+        </p:nvSpPr>
+        <p:spPr>
+          <a:xfrm>
+            <a:off x="1324704" y="1623993"/>
+            <a:ext cx="7915275" cy="2364109"/>
+          </a:xfrm>
+          <a:prstGeom prst="rect">
+            <a:avLst/>
+          </a:prstGeom>
+          <a:noFill/>
+        </p:spPr>
+        <p:txBody>
+          <a:bodyPr wrap="square">
+            <a:spAutoFit/>
+          </a:bodyPr>
+          <a:lstStyle/>
+          <a:p>
+            <a:pPr marL="285750" indent="-285750">
+              <a:lnSpc>
+                <a:spcPct val="107000"/>
+              </a:lnSpc>
+              <a:spcAft>
+                <a:spcPts val="800"/>
+              </a:spcAft>
+              <a:buFont typeface="Arial" panose="020B0604020202020204" pitchFamily="34" charset="0"/>
+              <a:buChar char="•"/>
+            </a:pPr>
+            <a:r>
+              <a:rPr lang="en-GB" dirty="0">
+                <a:latin typeface="Calibri" panose="020F0502020204030204" pitchFamily="34" charset="0"/>
+                <a:cs typeface="Arial" panose="020B0604020202020204" pitchFamily="34" charset="0"/>
+              </a:rPr>
+              <a:t>Repository visibility</a:t>
+            </a:r>
+          </a:p>
+          <a:p>
+            <a:pPr marL="285750" indent="-285750">
+              <a:lnSpc>
+                <a:spcPct val="107000"/>
+              </a:lnSpc>
+              <a:spcAft>
+                <a:spcPts val="800"/>
+              </a:spcAft>
+              <a:buFont typeface="Arial" panose="020B0604020202020204" pitchFamily="34" charset="0"/>
+              <a:buChar char="•"/>
+            </a:pPr>
+            <a:endParaRPr lang="en-GB" dirty="0">
+              <a:latin typeface="Calibri" panose="020F0502020204030204" pitchFamily="34" charset="0"/>
+              <a:cs typeface="Arial" panose="020B0604020202020204" pitchFamily="34" charset="0"/>
+            </a:endParaRPr>
+          </a:p>
+          <a:p>
+            <a:pPr marL="285750" indent="-285750">
+              <a:lnSpc>
+                <a:spcPct val="107000"/>
+              </a:lnSpc>
+              <a:spcAft>
+                <a:spcPts val="800"/>
+              </a:spcAft>
+              <a:buFont typeface="Arial" panose="020B0604020202020204" pitchFamily="34" charset="0"/>
+              <a:buChar char="•"/>
+            </a:pPr>
+            <a:r>
+              <a:rPr lang="en-GB" dirty="0">
+                <a:latin typeface="Calibri" panose="020F0502020204030204" pitchFamily="34" charset="0"/>
+                <a:cs typeface="Arial" panose="020B0604020202020204" pitchFamily="34" charset="0"/>
+              </a:rPr>
+              <a:t>Storing data</a:t>
+            </a:r>
+          </a:p>
+          <a:p>
+            <a:pPr marL="285750" indent="-285750">
+              <a:lnSpc>
+                <a:spcPct val="107000"/>
+              </a:lnSpc>
+              <a:spcAft>
+                <a:spcPts val="800"/>
+              </a:spcAft>
+              <a:buFont typeface="Arial" panose="020B0604020202020204" pitchFamily="34" charset="0"/>
+              <a:buChar char="•"/>
+            </a:pPr>
+            <a:endParaRPr lang="en-GB" dirty="0">
+              <a:latin typeface="Calibri" panose="020F0502020204030204" pitchFamily="34" charset="0"/>
+              <a:cs typeface="Arial" panose="020B0604020202020204" pitchFamily="34" charset="0"/>
+            </a:endParaRPr>
+          </a:p>
+          <a:p>
+            <a:pPr marL="285750" indent="-285750">
+              <a:lnSpc>
+                <a:spcPct val="107000"/>
+              </a:lnSpc>
+              <a:spcAft>
+                <a:spcPts val="800"/>
+              </a:spcAft>
+              <a:buFont typeface="Arial" panose="020B0604020202020204" pitchFamily="34" charset="0"/>
+              <a:buChar char="•"/>
+            </a:pPr>
+            <a:r>
+              <a:rPr lang="en-GB" dirty="0">
+                <a:latin typeface="Calibri" panose="020F0502020204030204" pitchFamily="34" charset="0"/>
+                <a:cs typeface="Arial" panose="020B0604020202020204" pitchFamily="34" charset="0"/>
+              </a:rPr>
+              <a:t>Git ignore files</a:t>
+            </a:r>
+          </a:p>
+          <a:p>
+            <a:pPr>
+              <a:spcAft>
+                <a:spcPts val="800"/>
+              </a:spcAft>
+            </a:pPr>
+            <a:r>
+              <a:rPr lang="en-GB" sz="1800" dirty="0">
+                <a:effectLst/>
+                <a:latin typeface="Calibri" panose="020F0502020204030204" pitchFamily="34" charset="0"/>
+                <a:ea typeface="Calibri" panose="020F0502020204030204" pitchFamily="34" charset="0"/>
+                <a:cs typeface="Arial" panose="020B0604020202020204" pitchFamily="34" charset="0"/>
+              </a:rPr>
+              <a:t> </a:t>
+            </a:r>
+          </a:p>
+        </p:txBody>
+      </p:sp>
+      <p:sp>
+        <p:nvSpPr>
+          <p:cNvPr id="6" name="Title 1">
+            <a:extLst>
+              <a:ext uri="{FF2B5EF4-FFF2-40B4-BE49-F238E27FC236}">
+                <a16:creationId xmlns:a16="http://schemas.microsoft.com/office/drawing/2014/main" id="{2F378F90-4097-E60B-6218-DD99D4A1D5AE}"/>
+              </a:ext>
+            </a:extLst>
+          </p:cNvPr>
+          <p:cNvSpPr>
+            <a:spLocks noGrp="1"/>
+          </p:cNvSpPr>
+          <p:nvPr>
+            <p:ph type="title"/>
+          </p:nvPr>
+        </p:nvSpPr>
+        <p:spPr>
+          <a:xfrm>
+            <a:off x="936777" y="149535"/>
+            <a:ext cx="10515600" cy="1325563"/>
+          </a:xfrm>
+        </p:spPr>
+        <p:txBody>
+          <a:bodyPr>
+            <a:normAutofit/>
+          </a:bodyPr>
+          <a:lstStyle/>
+          <a:p>
+            <a:r>
+              <a:rPr lang="en-GB" sz="3600" dirty="0">
+                <a:solidFill>
+                  <a:srgbClr val="1D609D"/>
+                </a:solidFill>
+                <a:latin typeface="Calibri Light"/>
+                <a:ea typeface="Calibri"/>
+                <a:cs typeface="Calibri"/>
+              </a:rPr>
+              <a:t>Good practice</a:t>
+            </a:r>
+          </a:p>
+        </p:txBody>
+      </p:sp>
+    </p:spTree>
+    <p:extLst>
+      <p:ext uri="{BB962C8B-B14F-4D97-AF65-F5344CB8AC3E}">
+        <p14:creationId xmlns:p14="http://schemas.microsoft.com/office/powerpoint/2010/main" val="3336252724"/>
+      </p:ext>
+    </p:extLst>
+  </p:cSld>
+  <p:clrMapOvr>
+    <a:masterClrMapping/>
+  </p:clrMapOvr>
 </p:sld>
 </file>
 
